--- a/articles/inside_the_index/fig.pptx
+++ b/articles/inside_the_index/fig.pptx
@@ -5,10 +5,11 @@
     <p:sldMasterId id="2147483648" r:id="rId1"/>
   </p:sldMasterIdLst>
   <p:notesMasterIdLst>
-    <p:notesMasterId r:id="rId3"/>
+    <p:notesMasterId r:id="rId4"/>
   </p:notesMasterIdLst>
   <p:sldIdLst>
     <p:sldId id="256" r:id="rId2"/>
+    <p:sldId id="258" r:id="rId3"/>
   </p:sldIdLst>
   <p:sldSz cx="9144000" cy="6858000" type="screen4x3"/>
   <p:notesSz cx="6858000" cy="9144000"/>
@@ -837,10 +838,3202 @@
           <a:chExt cx="0" cy="0"/>
         </a:xfrm>
       </p:grpSpPr>
+      <p:cxnSp>
+        <p:nvCxnSpPr>
+          <p:cNvPr id="3" name="直線コネクタ 2">
+            <a:extLst>
+              <a:ext uri="{FF2B5EF4-FFF2-40B4-BE49-F238E27FC236}">
+                <a16:creationId xmlns:a16="http://schemas.microsoft.com/office/drawing/2014/main" id="{C544C4EE-00E8-42C3-9E78-1B3B42C1CC70}"/>
+              </a:ext>
+            </a:extLst>
+          </p:cNvPr>
+          <p:cNvCxnSpPr/>
+          <p:nvPr/>
+        </p:nvCxnSpPr>
+        <p:spPr>
+          <a:xfrm>
+            <a:off x="2411760" y="548680"/>
+            <a:ext cx="0" cy="2160240"/>
+          </a:xfrm>
+          <a:prstGeom prst="line">
+            <a:avLst/>
+          </a:prstGeom>
+          <a:ln w="9525">
+            <a:solidFill>
+              <a:schemeClr val="tx1"/>
+            </a:solidFill>
+            <a:headEnd type="none"/>
+            <a:tailEnd type="none"/>
+          </a:ln>
+          <a:effectLst/>
+        </p:spPr>
+        <p:style>
+          <a:lnRef idx="2">
+            <a:schemeClr val="accent1"/>
+          </a:lnRef>
+          <a:fillRef idx="0">
+            <a:schemeClr val="accent1"/>
+          </a:fillRef>
+          <a:effectRef idx="1">
+            <a:schemeClr val="accent1"/>
+          </a:effectRef>
+          <a:fontRef idx="minor">
+            <a:schemeClr val="tx1"/>
+          </a:fontRef>
+        </p:style>
+      </p:cxnSp>
+      <p:cxnSp>
+        <p:nvCxnSpPr>
+          <p:cNvPr id="4" name="直線コネクタ 3">
+            <a:extLst>
+              <a:ext uri="{FF2B5EF4-FFF2-40B4-BE49-F238E27FC236}">
+                <a16:creationId xmlns:a16="http://schemas.microsoft.com/office/drawing/2014/main" id="{6087244F-3DF9-444A-8D67-F811B7F0B6B5}"/>
+              </a:ext>
+            </a:extLst>
+          </p:cNvPr>
+          <p:cNvCxnSpPr/>
+          <p:nvPr/>
+        </p:nvCxnSpPr>
+        <p:spPr>
+          <a:xfrm>
+            <a:off x="4572000" y="548680"/>
+            <a:ext cx="0" cy="2160240"/>
+          </a:xfrm>
+          <a:prstGeom prst="line">
+            <a:avLst/>
+          </a:prstGeom>
+          <a:ln w="9525">
+            <a:solidFill>
+              <a:schemeClr val="tx1"/>
+            </a:solidFill>
+            <a:headEnd type="none"/>
+            <a:tailEnd type="none"/>
+          </a:ln>
+          <a:effectLst/>
+        </p:spPr>
+        <p:style>
+          <a:lnRef idx="2">
+            <a:schemeClr val="accent1"/>
+          </a:lnRef>
+          <a:fillRef idx="0">
+            <a:schemeClr val="accent1"/>
+          </a:fillRef>
+          <a:effectRef idx="1">
+            <a:schemeClr val="accent1"/>
+          </a:effectRef>
+          <a:fontRef idx="minor">
+            <a:schemeClr val="tx1"/>
+          </a:fontRef>
+        </p:style>
+      </p:cxnSp>
+      <p:cxnSp>
+        <p:nvCxnSpPr>
+          <p:cNvPr id="5" name="直線コネクタ 4">
+            <a:extLst>
+              <a:ext uri="{FF2B5EF4-FFF2-40B4-BE49-F238E27FC236}">
+                <a16:creationId xmlns:a16="http://schemas.microsoft.com/office/drawing/2014/main" id="{7D511744-C554-44E5-8F80-C1A5D9E047FA}"/>
+              </a:ext>
+            </a:extLst>
+          </p:cNvPr>
+          <p:cNvCxnSpPr/>
+          <p:nvPr/>
+        </p:nvCxnSpPr>
+        <p:spPr>
+          <a:xfrm>
+            <a:off x="6732240" y="548680"/>
+            <a:ext cx="0" cy="2160240"/>
+          </a:xfrm>
+          <a:prstGeom prst="line">
+            <a:avLst/>
+          </a:prstGeom>
+          <a:ln w="9525">
+            <a:solidFill>
+              <a:schemeClr val="tx1"/>
+            </a:solidFill>
+            <a:headEnd type="none"/>
+            <a:tailEnd type="none"/>
+          </a:ln>
+          <a:effectLst/>
+        </p:spPr>
+        <p:style>
+          <a:lnRef idx="2">
+            <a:schemeClr val="accent1"/>
+          </a:lnRef>
+          <a:fillRef idx="0">
+            <a:schemeClr val="accent1"/>
+          </a:fillRef>
+          <a:effectRef idx="1">
+            <a:schemeClr val="accent1"/>
+          </a:effectRef>
+          <a:fontRef idx="minor">
+            <a:schemeClr val="tx1"/>
+          </a:fontRef>
+        </p:style>
+      </p:cxnSp>
+      <p:cxnSp>
+        <p:nvCxnSpPr>
+          <p:cNvPr id="6" name="直線コネクタ 5">
+            <a:extLst>
+              <a:ext uri="{FF2B5EF4-FFF2-40B4-BE49-F238E27FC236}">
+                <a16:creationId xmlns:a16="http://schemas.microsoft.com/office/drawing/2014/main" id="{61122B27-7265-4BE8-89EB-F7ADB97C0780}"/>
+              </a:ext>
+            </a:extLst>
+          </p:cNvPr>
+          <p:cNvCxnSpPr/>
+          <p:nvPr/>
+        </p:nvCxnSpPr>
+        <p:spPr>
+          <a:xfrm>
+            <a:off x="8892480" y="548680"/>
+            <a:ext cx="0" cy="2160240"/>
+          </a:xfrm>
+          <a:prstGeom prst="line">
+            <a:avLst/>
+          </a:prstGeom>
+          <a:ln w="9525">
+            <a:solidFill>
+              <a:schemeClr val="tx1"/>
+            </a:solidFill>
+            <a:headEnd type="none"/>
+            <a:tailEnd type="none"/>
+          </a:ln>
+          <a:effectLst/>
+        </p:spPr>
+        <p:style>
+          <a:lnRef idx="2">
+            <a:schemeClr val="accent1"/>
+          </a:lnRef>
+          <a:fillRef idx="0">
+            <a:schemeClr val="accent1"/>
+          </a:fillRef>
+          <a:effectRef idx="1">
+            <a:schemeClr val="accent1"/>
+          </a:effectRef>
+          <a:fontRef idx="minor">
+            <a:schemeClr val="tx1"/>
+          </a:fontRef>
+        </p:style>
+      </p:cxnSp>
+      <p:sp>
+        <p:nvSpPr>
+          <p:cNvPr id="7" name="テキスト ボックス 6">
+            <a:extLst>
+              <a:ext uri="{FF2B5EF4-FFF2-40B4-BE49-F238E27FC236}">
+                <a16:creationId xmlns:a16="http://schemas.microsoft.com/office/drawing/2014/main" id="{072A7058-838F-40FA-AE1B-743B64C168F9}"/>
+              </a:ext>
+            </a:extLst>
+          </p:cNvPr>
+          <p:cNvSpPr txBox="1"/>
+          <p:nvPr/>
+        </p:nvSpPr>
+        <p:spPr>
+          <a:xfrm>
+            <a:off x="7380312" y="548680"/>
+            <a:ext cx="800219" cy="461665"/>
+          </a:xfrm>
+          <a:prstGeom prst="rect">
+            <a:avLst/>
+          </a:prstGeom>
+          <a:noFill/>
+        </p:spPr>
+        <p:txBody>
+          <a:bodyPr wrap="none" rtlCol="0">
+            <a:spAutoFit/>
+          </a:bodyPr>
+          <a:lstStyle/>
+          <a:p>
+            <a:r>
+              <a:rPr lang="ja-JP" altLang="en-US" sz="2400"/>
+              <a:t>歴史</a:t>
+            </a:r>
+            <a:endParaRPr kumimoji="1" lang="ja-JP" altLang="en-US" sz="2400" dirty="0"/>
+          </a:p>
+        </p:txBody>
+      </p:sp>
+      <p:sp>
+        <p:nvSpPr>
+          <p:cNvPr id="8" name="テキスト ボックス 7">
+            <a:extLst>
+              <a:ext uri="{FF2B5EF4-FFF2-40B4-BE49-F238E27FC236}">
+                <a16:creationId xmlns:a16="http://schemas.microsoft.com/office/drawing/2014/main" id="{7DE63A1C-D69A-4AF8-AFA2-4EA060BC9A42}"/>
+              </a:ext>
+            </a:extLst>
+          </p:cNvPr>
+          <p:cNvSpPr txBox="1"/>
+          <p:nvPr/>
+        </p:nvSpPr>
+        <p:spPr>
+          <a:xfrm>
+            <a:off x="4788024" y="591071"/>
+            <a:ext cx="1776448" cy="461665"/>
+          </a:xfrm>
+          <a:prstGeom prst="rect">
+            <a:avLst/>
+          </a:prstGeom>
+          <a:noFill/>
+        </p:spPr>
+        <p:txBody>
+          <a:bodyPr wrap="none" rtlCol="0">
+            <a:spAutoFit/>
+          </a:bodyPr>
+          <a:lstStyle/>
+          <a:p>
+            <a:r>
+              <a:rPr kumimoji="1" lang="ja-JP" altLang="en-US" sz="2400"/>
+              <a:t>インデックス</a:t>
+            </a:r>
+            <a:endParaRPr kumimoji="1" lang="ja-JP" altLang="en-US" sz="2400" dirty="0"/>
+          </a:p>
+        </p:txBody>
+      </p:sp>
+      <p:sp>
+        <p:nvSpPr>
+          <p:cNvPr id="9" name="テキスト ボックス 8">
+            <a:extLst>
+              <a:ext uri="{FF2B5EF4-FFF2-40B4-BE49-F238E27FC236}">
+                <a16:creationId xmlns:a16="http://schemas.microsoft.com/office/drawing/2014/main" id="{0A4D5EB5-7A4A-4CFC-B241-353951B52DFF}"/>
+              </a:ext>
+            </a:extLst>
+          </p:cNvPr>
+          <p:cNvSpPr txBox="1"/>
+          <p:nvPr/>
+        </p:nvSpPr>
+        <p:spPr>
+          <a:xfrm>
+            <a:off x="2483768" y="620688"/>
+            <a:ext cx="2088232" cy="400110"/>
+          </a:xfrm>
+          <a:prstGeom prst="rect">
+            <a:avLst/>
+          </a:prstGeom>
+          <a:noFill/>
+        </p:spPr>
+        <p:txBody>
+          <a:bodyPr wrap="square" rtlCol="0">
+            <a:spAutoFit/>
+          </a:bodyPr>
+          <a:lstStyle/>
+          <a:p>
+            <a:r>
+              <a:rPr kumimoji="1" lang="ja-JP" altLang="en-US" sz="2000"/>
+              <a:t>ワーキング</a:t>
+            </a:r>
+            <a:r>
+              <a:rPr lang="ja-JP" altLang="en-US" sz="2000"/>
+              <a:t>ツリー</a:t>
+            </a:r>
+            <a:endParaRPr kumimoji="1" lang="ja-JP" altLang="en-US" sz="2000" dirty="0"/>
+          </a:p>
+        </p:txBody>
+      </p:sp>
+      <p:sp>
+        <p:nvSpPr>
+          <p:cNvPr id="10" name="テキスト ボックス 9">
+            <a:extLst>
+              <a:ext uri="{FF2B5EF4-FFF2-40B4-BE49-F238E27FC236}">
+                <a16:creationId xmlns:a16="http://schemas.microsoft.com/office/drawing/2014/main" id="{3C4B4E47-C4DA-428B-A09B-10931BA86CBB}"/>
+              </a:ext>
+            </a:extLst>
+          </p:cNvPr>
+          <p:cNvSpPr txBox="1"/>
+          <p:nvPr/>
+        </p:nvSpPr>
+        <p:spPr>
+          <a:xfrm>
+            <a:off x="971600" y="1484784"/>
+            <a:ext cx="1271502" cy="461665"/>
+          </a:xfrm>
+          <a:prstGeom prst="rect">
+            <a:avLst/>
+          </a:prstGeom>
+          <a:noFill/>
+        </p:spPr>
+        <p:txBody>
+          <a:bodyPr wrap="none" rtlCol="0">
+            <a:spAutoFit/>
+          </a:bodyPr>
+          <a:lstStyle/>
+          <a:p>
+            <a:r>
+              <a:rPr kumimoji="1" lang="en-US" altLang="ja-JP" sz="2400"/>
+              <a:t>add</a:t>
+            </a:r>
+            <a:r>
+              <a:rPr kumimoji="1" lang="ja-JP" altLang="en-US" sz="2400"/>
+              <a:t>直後</a:t>
+            </a:r>
+            <a:endParaRPr kumimoji="1" lang="ja-JP" altLang="en-US" sz="2400" dirty="0"/>
+          </a:p>
+        </p:txBody>
+      </p:sp>
+      <p:pic>
+        <p:nvPicPr>
+          <p:cNvPr id="1026" name="Picture 2" descr="ファイルアイコン（ブランク）">
+            <a:extLst>
+              <a:ext uri="{FF2B5EF4-FFF2-40B4-BE49-F238E27FC236}">
+                <a16:creationId xmlns:a16="http://schemas.microsoft.com/office/drawing/2014/main" id="{F6F698DC-7BB8-4FC0-B954-C1923F81F803}"/>
+              </a:ext>
+            </a:extLst>
+          </p:cNvPr>
+          <p:cNvPicPr>
+            <a:picLocks noChangeAspect="1" noChangeArrowheads="1"/>
+          </p:cNvPicPr>
+          <p:nvPr/>
+        </p:nvPicPr>
+        <p:blipFill>
+          <a:blip r:embed="rId2">
+            <a:extLst>
+              <a:ext uri="{28A0092B-C50C-407E-A947-70E740481C1C}">
+                <a14:useLocalDpi xmlns:a14="http://schemas.microsoft.com/office/drawing/2010/main" val="0"/>
+              </a:ext>
+            </a:extLst>
+          </a:blip>
+          <a:srcRect/>
+          <a:stretch>
+            <a:fillRect/>
+          </a:stretch>
+        </p:blipFill>
+        <p:spPr bwMode="auto">
+          <a:xfrm>
+            <a:off x="2915816" y="1340768"/>
+            <a:ext cx="1014218" cy="1177801"/>
+          </a:xfrm>
+          <a:prstGeom prst="rect">
+            <a:avLst/>
+          </a:prstGeom>
+          <a:noFill/>
+          <a:extLst>
+            <a:ext uri="{909E8E84-426E-40DD-AFC4-6F175D3DCCD1}">
+              <a14:hiddenFill xmlns:a14="http://schemas.microsoft.com/office/drawing/2010/main">
+                <a:solidFill>
+                  <a:srgbClr val="FFFFFF"/>
+                </a:solidFill>
+              </a14:hiddenFill>
+            </a:ext>
+          </a:extLst>
+        </p:spPr>
+      </p:pic>
+      <p:sp>
+        <p:nvSpPr>
+          <p:cNvPr id="11" name="四角形: 1 つの角を切り取り 1 つの角を丸める 10">
+            <a:extLst>
+              <a:ext uri="{FF2B5EF4-FFF2-40B4-BE49-F238E27FC236}">
+                <a16:creationId xmlns:a16="http://schemas.microsoft.com/office/drawing/2014/main" id="{38650D45-A4D3-4135-B959-222FD69496FD}"/>
+              </a:ext>
+            </a:extLst>
+          </p:cNvPr>
+          <p:cNvSpPr/>
+          <p:nvPr/>
+        </p:nvSpPr>
+        <p:spPr>
+          <a:xfrm>
+            <a:off x="5004048" y="1556792"/>
+            <a:ext cx="1224136" cy="720080"/>
+          </a:xfrm>
+          <a:prstGeom prst="snipRoundRect">
+            <a:avLst/>
+          </a:prstGeom>
+          <a:ln>
+            <a:solidFill>
+              <a:schemeClr val="tx1"/>
+            </a:solidFill>
+          </a:ln>
+        </p:spPr>
+        <p:txBody>
+          <a:bodyPr wrap="square" rtlCol="0" anchor="ctr">
+            <a:spAutoFit/>
+          </a:bodyPr>
+          <a:lstStyle/>
+          <a:p>
+            <a:pPr algn="ctr"/>
+            <a:endParaRPr kumimoji="1" lang="ja-JP" altLang="en-US" sz="2400" dirty="0"/>
+          </a:p>
+        </p:txBody>
+      </p:sp>
+      <p:sp>
+        <p:nvSpPr>
+          <p:cNvPr id="14" name="テキスト ボックス 13">
+            <a:extLst>
+              <a:ext uri="{FF2B5EF4-FFF2-40B4-BE49-F238E27FC236}">
+                <a16:creationId xmlns:a16="http://schemas.microsoft.com/office/drawing/2014/main" id="{DF6E1B8F-1685-4207-87BF-003B3065B362}"/>
+              </a:ext>
+            </a:extLst>
+          </p:cNvPr>
+          <p:cNvSpPr txBox="1"/>
+          <p:nvPr/>
+        </p:nvSpPr>
+        <p:spPr>
+          <a:xfrm>
+            <a:off x="5004048" y="1628800"/>
+            <a:ext cx="1296144" cy="584775"/>
+          </a:xfrm>
+          <a:prstGeom prst="rect">
+            <a:avLst/>
+          </a:prstGeom>
+          <a:noFill/>
+        </p:spPr>
+        <p:txBody>
+          <a:bodyPr wrap="square">
+            <a:spAutoFit/>
+          </a:bodyPr>
+          <a:lstStyle/>
+          <a:p>
+            <a:r>
+              <a:rPr lang="ja-JP" altLang="en-US" sz="1600">
+                <a:latin typeface="Consolas" panose="020B0609020204030204" pitchFamily="49" charset="0"/>
+              </a:rPr>
+              <a:t>363d8b7</a:t>
+            </a:r>
+            <a:endParaRPr lang="en-US" altLang="ja-JP" sz="1600">
+              <a:latin typeface="Consolas" panose="020B0609020204030204" pitchFamily="49" charset="0"/>
+            </a:endParaRPr>
+          </a:p>
+          <a:p>
+            <a:r>
+              <a:rPr lang="en-US" altLang="ja-JP" sz="1600">
+                <a:latin typeface="Consolas" panose="020B0609020204030204" pitchFamily="49" charset="0"/>
+              </a:rPr>
+              <a:t>(test.txt)</a:t>
+            </a:r>
+          </a:p>
+        </p:txBody>
+      </p:sp>
+      <p:sp>
+        <p:nvSpPr>
+          <p:cNvPr id="16" name="テキスト ボックス 15">
+            <a:extLst>
+              <a:ext uri="{FF2B5EF4-FFF2-40B4-BE49-F238E27FC236}">
+                <a16:creationId xmlns:a16="http://schemas.microsoft.com/office/drawing/2014/main" id="{932A24F0-E5EC-484E-928A-BAF28BBF7F10}"/>
+              </a:ext>
+            </a:extLst>
+          </p:cNvPr>
+          <p:cNvSpPr txBox="1"/>
+          <p:nvPr/>
+        </p:nvSpPr>
+        <p:spPr>
+          <a:xfrm>
+            <a:off x="2987824" y="1844824"/>
+            <a:ext cx="1277888" cy="369332"/>
+          </a:xfrm>
+          <a:prstGeom prst="rect">
+            <a:avLst/>
+          </a:prstGeom>
+          <a:noFill/>
+        </p:spPr>
+        <p:txBody>
+          <a:bodyPr wrap="square">
+            <a:spAutoFit/>
+          </a:bodyPr>
+          <a:lstStyle/>
+          <a:p>
+            <a:r>
+              <a:rPr lang="en-US" altLang="ja-JP" sz="1800">
+                <a:latin typeface="Consolas" panose="020B0609020204030204" pitchFamily="49" charset="0"/>
+              </a:rPr>
+              <a:t>test.txt</a:t>
+            </a:r>
+            <a:endParaRPr lang="ja-JP" altLang="en-US"/>
+          </a:p>
+        </p:txBody>
+      </p:sp>
+      <p:cxnSp>
+        <p:nvCxnSpPr>
+          <p:cNvPr id="17" name="直線コネクタ 16">
+            <a:extLst>
+              <a:ext uri="{FF2B5EF4-FFF2-40B4-BE49-F238E27FC236}">
+                <a16:creationId xmlns:a16="http://schemas.microsoft.com/office/drawing/2014/main" id="{649332FA-C657-42E1-B00E-DF8C402A4D97}"/>
+              </a:ext>
+            </a:extLst>
+          </p:cNvPr>
+          <p:cNvCxnSpPr/>
+          <p:nvPr/>
+        </p:nvCxnSpPr>
+        <p:spPr>
+          <a:xfrm>
+            <a:off x="2411760" y="3429000"/>
+            <a:ext cx="0" cy="2160240"/>
+          </a:xfrm>
+          <a:prstGeom prst="line">
+            <a:avLst/>
+          </a:prstGeom>
+          <a:ln w="9525">
+            <a:solidFill>
+              <a:schemeClr val="tx1"/>
+            </a:solidFill>
+            <a:headEnd type="none"/>
+            <a:tailEnd type="none"/>
+          </a:ln>
+          <a:effectLst/>
+        </p:spPr>
+        <p:style>
+          <a:lnRef idx="2">
+            <a:schemeClr val="accent1"/>
+          </a:lnRef>
+          <a:fillRef idx="0">
+            <a:schemeClr val="accent1"/>
+          </a:fillRef>
+          <a:effectRef idx="1">
+            <a:schemeClr val="accent1"/>
+          </a:effectRef>
+          <a:fontRef idx="minor">
+            <a:schemeClr val="tx1"/>
+          </a:fontRef>
+        </p:style>
+      </p:cxnSp>
+      <p:cxnSp>
+        <p:nvCxnSpPr>
+          <p:cNvPr id="18" name="直線コネクタ 17">
+            <a:extLst>
+              <a:ext uri="{FF2B5EF4-FFF2-40B4-BE49-F238E27FC236}">
+                <a16:creationId xmlns:a16="http://schemas.microsoft.com/office/drawing/2014/main" id="{E6C8EDBF-C22C-49E2-8487-FCE9D39F2771}"/>
+              </a:ext>
+            </a:extLst>
+          </p:cNvPr>
+          <p:cNvCxnSpPr/>
+          <p:nvPr/>
+        </p:nvCxnSpPr>
+        <p:spPr>
+          <a:xfrm>
+            <a:off x="4572000" y="3429000"/>
+            <a:ext cx="0" cy="2160240"/>
+          </a:xfrm>
+          <a:prstGeom prst="line">
+            <a:avLst/>
+          </a:prstGeom>
+          <a:ln w="9525">
+            <a:solidFill>
+              <a:schemeClr val="tx1"/>
+            </a:solidFill>
+            <a:headEnd type="none"/>
+            <a:tailEnd type="none"/>
+          </a:ln>
+          <a:effectLst/>
+        </p:spPr>
+        <p:style>
+          <a:lnRef idx="2">
+            <a:schemeClr val="accent1"/>
+          </a:lnRef>
+          <a:fillRef idx="0">
+            <a:schemeClr val="accent1"/>
+          </a:fillRef>
+          <a:effectRef idx="1">
+            <a:schemeClr val="accent1"/>
+          </a:effectRef>
+          <a:fontRef idx="minor">
+            <a:schemeClr val="tx1"/>
+          </a:fontRef>
+        </p:style>
+      </p:cxnSp>
+      <p:cxnSp>
+        <p:nvCxnSpPr>
+          <p:cNvPr id="19" name="直線コネクタ 18">
+            <a:extLst>
+              <a:ext uri="{FF2B5EF4-FFF2-40B4-BE49-F238E27FC236}">
+                <a16:creationId xmlns:a16="http://schemas.microsoft.com/office/drawing/2014/main" id="{5A1BB109-3A76-498B-B804-D1DA4F93F8A6}"/>
+              </a:ext>
+            </a:extLst>
+          </p:cNvPr>
+          <p:cNvCxnSpPr/>
+          <p:nvPr/>
+        </p:nvCxnSpPr>
+        <p:spPr>
+          <a:xfrm>
+            <a:off x="6732240" y="3429000"/>
+            <a:ext cx="0" cy="2160240"/>
+          </a:xfrm>
+          <a:prstGeom prst="line">
+            <a:avLst/>
+          </a:prstGeom>
+          <a:ln w="9525">
+            <a:solidFill>
+              <a:schemeClr val="tx1"/>
+            </a:solidFill>
+            <a:headEnd type="none"/>
+            <a:tailEnd type="none"/>
+          </a:ln>
+          <a:effectLst/>
+        </p:spPr>
+        <p:style>
+          <a:lnRef idx="2">
+            <a:schemeClr val="accent1"/>
+          </a:lnRef>
+          <a:fillRef idx="0">
+            <a:schemeClr val="accent1"/>
+          </a:fillRef>
+          <a:effectRef idx="1">
+            <a:schemeClr val="accent1"/>
+          </a:effectRef>
+          <a:fontRef idx="minor">
+            <a:schemeClr val="tx1"/>
+          </a:fontRef>
+        </p:style>
+      </p:cxnSp>
+      <p:cxnSp>
+        <p:nvCxnSpPr>
+          <p:cNvPr id="20" name="直線コネクタ 19">
+            <a:extLst>
+              <a:ext uri="{FF2B5EF4-FFF2-40B4-BE49-F238E27FC236}">
+                <a16:creationId xmlns:a16="http://schemas.microsoft.com/office/drawing/2014/main" id="{79701F69-BC55-4DB4-B3DC-41C056C9AB00}"/>
+              </a:ext>
+            </a:extLst>
+          </p:cNvPr>
+          <p:cNvCxnSpPr/>
+          <p:nvPr/>
+        </p:nvCxnSpPr>
+        <p:spPr>
+          <a:xfrm>
+            <a:off x="8892480" y="3429000"/>
+            <a:ext cx="0" cy="2160240"/>
+          </a:xfrm>
+          <a:prstGeom prst="line">
+            <a:avLst/>
+          </a:prstGeom>
+          <a:ln w="9525">
+            <a:solidFill>
+              <a:schemeClr val="tx1"/>
+            </a:solidFill>
+            <a:headEnd type="none"/>
+            <a:tailEnd type="none"/>
+          </a:ln>
+          <a:effectLst/>
+        </p:spPr>
+        <p:style>
+          <a:lnRef idx="2">
+            <a:schemeClr val="accent1"/>
+          </a:lnRef>
+          <a:fillRef idx="0">
+            <a:schemeClr val="accent1"/>
+          </a:fillRef>
+          <a:effectRef idx="1">
+            <a:schemeClr val="accent1"/>
+          </a:effectRef>
+          <a:fontRef idx="minor">
+            <a:schemeClr val="tx1"/>
+          </a:fontRef>
+        </p:style>
+      </p:cxnSp>
+      <p:sp>
+        <p:nvSpPr>
+          <p:cNvPr id="21" name="テキスト ボックス 20">
+            <a:extLst>
+              <a:ext uri="{FF2B5EF4-FFF2-40B4-BE49-F238E27FC236}">
+                <a16:creationId xmlns:a16="http://schemas.microsoft.com/office/drawing/2014/main" id="{741E4D2B-9FAA-4141-97C4-B2CDF171191B}"/>
+              </a:ext>
+            </a:extLst>
+          </p:cNvPr>
+          <p:cNvSpPr txBox="1"/>
+          <p:nvPr/>
+        </p:nvSpPr>
+        <p:spPr>
+          <a:xfrm>
+            <a:off x="7380312" y="3429000"/>
+            <a:ext cx="800219" cy="461665"/>
+          </a:xfrm>
+          <a:prstGeom prst="rect">
+            <a:avLst/>
+          </a:prstGeom>
+          <a:noFill/>
+        </p:spPr>
+        <p:txBody>
+          <a:bodyPr wrap="none" rtlCol="0">
+            <a:spAutoFit/>
+          </a:bodyPr>
+          <a:lstStyle/>
+          <a:p>
+            <a:r>
+              <a:rPr lang="ja-JP" altLang="en-US" sz="2400"/>
+              <a:t>歴史</a:t>
+            </a:r>
+            <a:endParaRPr kumimoji="1" lang="ja-JP" altLang="en-US" sz="2400" dirty="0"/>
+          </a:p>
+        </p:txBody>
+      </p:sp>
+      <p:sp>
+        <p:nvSpPr>
+          <p:cNvPr id="22" name="テキスト ボックス 21">
+            <a:extLst>
+              <a:ext uri="{FF2B5EF4-FFF2-40B4-BE49-F238E27FC236}">
+                <a16:creationId xmlns:a16="http://schemas.microsoft.com/office/drawing/2014/main" id="{21EC7ABA-77F9-496D-87ED-8DC972048D3E}"/>
+              </a:ext>
+            </a:extLst>
+          </p:cNvPr>
+          <p:cNvSpPr txBox="1"/>
+          <p:nvPr/>
+        </p:nvSpPr>
+        <p:spPr>
+          <a:xfrm>
+            <a:off x="4788024" y="3471391"/>
+            <a:ext cx="1776448" cy="461665"/>
+          </a:xfrm>
+          <a:prstGeom prst="rect">
+            <a:avLst/>
+          </a:prstGeom>
+          <a:noFill/>
+        </p:spPr>
+        <p:txBody>
+          <a:bodyPr wrap="none" rtlCol="0">
+            <a:spAutoFit/>
+          </a:bodyPr>
+          <a:lstStyle/>
+          <a:p>
+            <a:r>
+              <a:rPr kumimoji="1" lang="ja-JP" altLang="en-US" sz="2400"/>
+              <a:t>インデックス</a:t>
+            </a:r>
+            <a:endParaRPr kumimoji="1" lang="ja-JP" altLang="en-US" sz="2400" dirty="0"/>
+          </a:p>
+        </p:txBody>
+      </p:sp>
+      <p:sp>
+        <p:nvSpPr>
+          <p:cNvPr id="23" name="テキスト ボックス 22">
+            <a:extLst>
+              <a:ext uri="{FF2B5EF4-FFF2-40B4-BE49-F238E27FC236}">
+                <a16:creationId xmlns:a16="http://schemas.microsoft.com/office/drawing/2014/main" id="{FF2C6534-3887-4AA1-A5FC-A97F129DC15A}"/>
+              </a:ext>
+            </a:extLst>
+          </p:cNvPr>
+          <p:cNvSpPr txBox="1"/>
+          <p:nvPr/>
+        </p:nvSpPr>
+        <p:spPr>
+          <a:xfrm>
+            <a:off x="2483768" y="3501008"/>
+            <a:ext cx="2088232" cy="400110"/>
+          </a:xfrm>
+          <a:prstGeom prst="rect">
+            <a:avLst/>
+          </a:prstGeom>
+          <a:noFill/>
+        </p:spPr>
+        <p:txBody>
+          <a:bodyPr wrap="square" rtlCol="0">
+            <a:spAutoFit/>
+          </a:bodyPr>
+          <a:lstStyle/>
+          <a:p>
+            <a:r>
+              <a:rPr kumimoji="1" lang="ja-JP" altLang="en-US" sz="2000"/>
+              <a:t>ワーキング</a:t>
+            </a:r>
+            <a:r>
+              <a:rPr lang="ja-JP" altLang="en-US" sz="2000"/>
+              <a:t>ツリー</a:t>
+            </a:r>
+            <a:endParaRPr kumimoji="1" lang="ja-JP" altLang="en-US" sz="2000" dirty="0"/>
+          </a:p>
+        </p:txBody>
+      </p:sp>
+      <p:sp>
+        <p:nvSpPr>
+          <p:cNvPr id="24" name="テキスト ボックス 23">
+            <a:extLst>
+              <a:ext uri="{FF2B5EF4-FFF2-40B4-BE49-F238E27FC236}">
+                <a16:creationId xmlns:a16="http://schemas.microsoft.com/office/drawing/2014/main" id="{2E81B410-0BE4-42F4-9A43-62A86C25FE35}"/>
+              </a:ext>
+            </a:extLst>
+          </p:cNvPr>
+          <p:cNvSpPr txBox="1"/>
+          <p:nvPr/>
+        </p:nvSpPr>
+        <p:spPr>
+          <a:xfrm>
+            <a:off x="683568" y="4365104"/>
+            <a:ext cx="1753044" cy="461665"/>
+          </a:xfrm>
+          <a:prstGeom prst="rect">
+            <a:avLst/>
+          </a:prstGeom>
+          <a:noFill/>
+        </p:spPr>
+        <p:txBody>
+          <a:bodyPr wrap="none" rtlCol="0">
+            <a:spAutoFit/>
+          </a:bodyPr>
+          <a:lstStyle/>
+          <a:p>
+            <a:r>
+              <a:rPr kumimoji="1" lang="en-US" altLang="ja-JP" sz="2400"/>
+              <a:t>commit</a:t>
+            </a:r>
+            <a:r>
+              <a:rPr kumimoji="1" lang="ja-JP" altLang="en-US" sz="2400"/>
+              <a:t>直後</a:t>
+            </a:r>
+            <a:endParaRPr kumimoji="1" lang="ja-JP" altLang="en-US" sz="2400" dirty="0"/>
+          </a:p>
+        </p:txBody>
+      </p:sp>
+      <p:pic>
+        <p:nvPicPr>
+          <p:cNvPr id="25" name="Picture 2" descr="ファイルアイコン（ブランク）">
+            <a:extLst>
+              <a:ext uri="{FF2B5EF4-FFF2-40B4-BE49-F238E27FC236}">
+                <a16:creationId xmlns:a16="http://schemas.microsoft.com/office/drawing/2014/main" id="{1B91BD2F-BEDB-4C1F-801B-AB916C3ECD78}"/>
+              </a:ext>
+            </a:extLst>
+          </p:cNvPr>
+          <p:cNvPicPr>
+            <a:picLocks noChangeAspect="1" noChangeArrowheads="1"/>
+          </p:cNvPicPr>
+          <p:nvPr/>
+        </p:nvPicPr>
+        <p:blipFill>
+          <a:blip r:embed="rId2">
+            <a:extLst>
+              <a:ext uri="{28A0092B-C50C-407E-A947-70E740481C1C}">
+                <a14:useLocalDpi xmlns:a14="http://schemas.microsoft.com/office/drawing/2010/main" val="0"/>
+              </a:ext>
+            </a:extLst>
+          </a:blip>
+          <a:srcRect/>
+          <a:stretch>
+            <a:fillRect/>
+          </a:stretch>
+        </p:blipFill>
+        <p:spPr bwMode="auto">
+          <a:xfrm>
+            <a:off x="2915816" y="4221088"/>
+            <a:ext cx="1014218" cy="1177801"/>
+          </a:xfrm>
+          <a:prstGeom prst="rect">
+            <a:avLst/>
+          </a:prstGeom>
+          <a:noFill/>
+          <a:extLst>
+            <a:ext uri="{909E8E84-426E-40DD-AFC4-6F175D3DCCD1}">
+              <a14:hiddenFill xmlns:a14="http://schemas.microsoft.com/office/drawing/2010/main">
+                <a:solidFill>
+                  <a:srgbClr val="FFFFFF"/>
+                </a:solidFill>
+              </a14:hiddenFill>
+            </a:ext>
+          </a:extLst>
+        </p:spPr>
+      </p:pic>
+      <p:sp>
+        <p:nvSpPr>
+          <p:cNvPr id="26" name="四角形: 1 つの角を切り取り 1 つの角を丸める 25">
+            <a:extLst>
+              <a:ext uri="{FF2B5EF4-FFF2-40B4-BE49-F238E27FC236}">
+                <a16:creationId xmlns:a16="http://schemas.microsoft.com/office/drawing/2014/main" id="{FBD8BA69-7E7A-42DB-8698-60999B978A94}"/>
+              </a:ext>
+            </a:extLst>
+          </p:cNvPr>
+          <p:cNvSpPr/>
+          <p:nvPr/>
+        </p:nvSpPr>
+        <p:spPr>
+          <a:xfrm>
+            <a:off x="5004048" y="4437112"/>
+            <a:ext cx="1224136" cy="720080"/>
+          </a:xfrm>
+          <a:prstGeom prst="snipRoundRect">
+            <a:avLst/>
+          </a:prstGeom>
+          <a:ln>
+            <a:solidFill>
+              <a:schemeClr val="tx1"/>
+            </a:solidFill>
+          </a:ln>
+        </p:spPr>
+        <p:txBody>
+          <a:bodyPr wrap="square" rtlCol="0" anchor="ctr">
+            <a:spAutoFit/>
+          </a:bodyPr>
+          <a:lstStyle/>
+          <a:p>
+            <a:pPr algn="ctr"/>
+            <a:endParaRPr kumimoji="1" lang="ja-JP" altLang="en-US" sz="2400" dirty="0"/>
+          </a:p>
+        </p:txBody>
+      </p:sp>
+      <p:sp>
+        <p:nvSpPr>
+          <p:cNvPr id="27" name="テキスト ボックス 26">
+            <a:extLst>
+              <a:ext uri="{FF2B5EF4-FFF2-40B4-BE49-F238E27FC236}">
+                <a16:creationId xmlns:a16="http://schemas.microsoft.com/office/drawing/2014/main" id="{BAB0BB13-6076-4416-A4CD-B485496E592E}"/>
+              </a:ext>
+            </a:extLst>
+          </p:cNvPr>
+          <p:cNvSpPr txBox="1"/>
+          <p:nvPr/>
+        </p:nvSpPr>
+        <p:spPr>
+          <a:xfrm>
+            <a:off x="5004048" y="4509120"/>
+            <a:ext cx="1296144" cy="584775"/>
+          </a:xfrm>
+          <a:prstGeom prst="rect">
+            <a:avLst/>
+          </a:prstGeom>
+          <a:noFill/>
+        </p:spPr>
+        <p:txBody>
+          <a:bodyPr wrap="square">
+            <a:spAutoFit/>
+          </a:bodyPr>
+          <a:lstStyle/>
+          <a:p>
+            <a:r>
+              <a:rPr lang="ja-JP" altLang="en-US" sz="1600">
+                <a:latin typeface="Consolas" panose="020B0609020204030204" pitchFamily="49" charset="0"/>
+              </a:rPr>
+              <a:t>363d8b7</a:t>
+            </a:r>
+            <a:endParaRPr lang="en-US" altLang="ja-JP" sz="1600">
+              <a:latin typeface="Consolas" panose="020B0609020204030204" pitchFamily="49" charset="0"/>
+            </a:endParaRPr>
+          </a:p>
+          <a:p>
+            <a:r>
+              <a:rPr lang="en-US" altLang="ja-JP" sz="1600">
+                <a:latin typeface="Consolas" panose="020B0609020204030204" pitchFamily="49" charset="0"/>
+              </a:rPr>
+              <a:t>(test.txt)</a:t>
+            </a:r>
+          </a:p>
+        </p:txBody>
+      </p:sp>
+      <p:sp>
+        <p:nvSpPr>
+          <p:cNvPr id="28" name="テキスト ボックス 27">
+            <a:extLst>
+              <a:ext uri="{FF2B5EF4-FFF2-40B4-BE49-F238E27FC236}">
+                <a16:creationId xmlns:a16="http://schemas.microsoft.com/office/drawing/2014/main" id="{05FE4F15-5430-4CF2-ABC7-44AB46FFEA0A}"/>
+              </a:ext>
+            </a:extLst>
+          </p:cNvPr>
+          <p:cNvSpPr txBox="1"/>
+          <p:nvPr/>
+        </p:nvSpPr>
+        <p:spPr>
+          <a:xfrm>
+            <a:off x="2987824" y="4725144"/>
+            <a:ext cx="1277888" cy="369332"/>
+          </a:xfrm>
+          <a:prstGeom prst="rect">
+            <a:avLst/>
+          </a:prstGeom>
+          <a:noFill/>
+        </p:spPr>
+        <p:txBody>
+          <a:bodyPr wrap="square">
+            <a:spAutoFit/>
+          </a:bodyPr>
+          <a:lstStyle/>
+          <a:p>
+            <a:r>
+              <a:rPr lang="en-US" altLang="ja-JP" sz="1800">
+                <a:latin typeface="Consolas" panose="020B0609020204030204" pitchFamily="49" charset="0"/>
+              </a:rPr>
+              <a:t>test.txt</a:t>
+            </a:r>
+            <a:endParaRPr lang="ja-JP" altLang="en-US"/>
+          </a:p>
+        </p:txBody>
+      </p:sp>
+      <p:sp>
+        <p:nvSpPr>
+          <p:cNvPr id="15" name="矢印: 右 14">
+            <a:extLst>
+              <a:ext uri="{FF2B5EF4-FFF2-40B4-BE49-F238E27FC236}">
+                <a16:creationId xmlns:a16="http://schemas.microsoft.com/office/drawing/2014/main" id="{20EFB207-7D95-49A4-A848-7EA8939AA07E}"/>
+              </a:ext>
+            </a:extLst>
+          </p:cNvPr>
+          <p:cNvSpPr/>
+          <p:nvPr/>
+        </p:nvSpPr>
+        <p:spPr>
+          <a:xfrm>
+            <a:off x="4283968" y="1628800"/>
+            <a:ext cx="648072" cy="484632"/>
+          </a:xfrm>
+          <a:prstGeom prst="rightArrow">
+            <a:avLst/>
+          </a:prstGeom>
+          <a:solidFill>
+            <a:srgbClr val="FF0000"/>
+          </a:solidFill>
+          <a:ln>
+            <a:solidFill>
+              <a:schemeClr val="tx1"/>
+            </a:solidFill>
+          </a:ln>
+        </p:spPr>
+        <p:txBody>
+          <a:bodyPr wrap="square" rtlCol="0" anchor="ctr">
+            <a:spAutoFit/>
+          </a:bodyPr>
+          <a:lstStyle/>
+          <a:p>
+            <a:pPr algn="ctr"/>
+            <a:endParaRPr kumimoji="1" lang="ja-JP" altLang="en-US" sz="2400" dirty="0"/>
+          </a:p>
+        </p:txBody>
+      </p:sp>
+      <p:sp>
+        <p:nvSpPr>
+          <p:cNvPr id="30" name="矢印: 右 29">
+            <a:extLst>
+              <a:ext uri="{FF2B5EF4-FFF2-40B4-BE49-F238E27FC236}">
+                <a16:creationId xmlns:a16="http://schemas.microsoft.com/office/drawing/2014/main" id="{56B0FAC7-9D10-41C4-B2DE-BBEE52896160}"/>
+              </a:ext>
+            </a:extLst>
+          </p:cNvPr>
+          <p:cNvSpPr/>
+          <p:nvPr/>
+        </p:nvSpPr>
+        <p:spPr>
+          <a:xfrm>
+            <a:off x="6372200" y="4509120"/>
+            <a:ext cx="648072" cy="484632"/>
+          </a:xfrm>
+          <a:prstGeom prst="rightArrow">
+            <a:avLst/>
+          </a:prstGeom>
+          <a:solidFill>
+            <a:srgbClr val="FF0000"/>
+          </a:solidFill>
+          <a:ln>
+            <a:solidFill>
+              <a:schemeClr val="tx1"/>
+            </a:solidFill>
+          </a:ln>
+        </p:spPr>
+        <p:txBody>
+          <a:bodyPr wrap="square" rtlCol="0" anchor="ctr">
+            <a:spAutoFit/>
+          </a:bodyPr>
+          <a:lstStyle/>
+          <a:p>
+            <a:pPr algn="ctr"/>
+            <a:endParaRPr kumimoji="1" lang="ja-JP" altLang="en-US" sz="2400" dirty="0"/>
+          </a:p>
+        </p:txBody>
+      </p:sp>
+      <p:sp>
+        <p:nvSpPr>
+          <p:cNvPr id="29" name="楕円 28">
+            <a:extLst>
+              <a:ext uri="{FF2B5EF4-FFF2-40B4-BE49-F238E27FC236}">
+                <a16:creationId xmlns:a16="http://schemas.microsoft.com/office/drawing/2014/main" id="{5A35E529-D394-4284-A6B9-C43E554C461E}"/>
+              </a:ext>
+            </a:extLst>
+          </p:cNvPr>
+          <p:cNvSpPr/>
+          <p:nvPr/>
+        </p:nvSpPr>
+        <p:spPr>
+          <a:xfrm>
+            <a:off x="7236296" y="4509120"/>
+            <a:ext cx="482352" cy="482352"/>
+          </a:xfrm>
+          <a:prstGeom prst="ellipse">
+            <a:avLst/>
+          </a:prstGeom>
+          <a:solidFill>
+            <a:schemeClr val="accent1">
+              <a:lumMod val="75000"/>
+            </a:schemeClr>
+          </a:solidFill>
+          <a:ln>
+            <a:solidFill>
+              <a:schemeClr val="tx1"/>
+            </a:solidFill>
+          </a:ln>
+        </p:spPr>
+        <p:txBody>
+          <a:bodyPr wrap="square" rtlCol="0" anchor="ctr">
+            <a:spAutoFit/>
+          </a:bodyPr>
+          <a:lstStyle/>
+          <a:p>
+            <a:pPr algn="ctr"/>
+            <a:endParaRPr kumimoji="1" lang="ja-JP" altLang="en-US" sz="2400" dirty="0"/>
+          </a:p>
+        </p:txBody>
+      </p:sp>
+      <p:sp>
+        <p:nvSpPr>
+          <p:cNvPr id="33" name="テキスト ボックス 32">
+            <a:extLst>
+              <a:ext uri="{FF2B5EF4-FFF2-40B4-BE49-F238E27FC236}">
+                <a16:creationId xmlns:a16="http://schemas.microsoft.com/office/drawing/2014/main" id="{8B4DD0C0-5416-4CAE-B721-0D24CE5AC6B1}"/>
+              </a:ext>
+            </a:extLst>
+          </p:cNvPr>
+          <p:cNvSpPr txBox="1"/>
+          <p:nvPr/>
+        </p:nvSpPr>
+        <p:spPr>
+          <a:xfrm>
+            <a:off x="7740352" y="4581128"/>
+            <a:ext cx="936104" cy="369332"/>
+          </a:xfrm>
+          <a:prstGeom prst="rect">
+            <a:avLst/>
+          </a:prstGeom>
+          <a:noFill/>
+        </p:spPr>
+        <p:txBody>
+          <a:bodyPr wrap="square">
+            <a:spAutoFit/>
+          </a:bodyPr>
+          <a:lstStyle/>
+          <a:p>
+            <a:r>
+              <a:rPr lang="ja-JP" altLang="en-US"/>
+              <a:t>fc4050c</a:t>
+            </a:r>
+          </a:p>
+        </p:txBody>
+      </p:sp>
     </p:spTree>
     <p:extLst>
       <p:ext uri="{BB962C8B-B14F-4D97-AF65-F5344CB8AC3E}">
         <p14:creationId xmlns:p14="http://schemas.microsoft.com/office/powerpoint/2010/main" val="37847166"/>
+      </p:ext>
+    </p:extLst>
+  </p:cSld>
+  <p:clrMapOvr>
+    <a:masterClrMapping/>
+  </p:clrMapOvr>
+</p:sld>
+</file>
+
+<file path=ppt/slides/slide2.xml><?xml version="1.0" encoding="utf-8"?>
+<p:sld xmlns:a="http://schemas.openxmlformats.org/drawingml/2006/main" xmlns:r="http://schemas.openxmlformats.org/officeDocument/2006/relationships" xmlns:p="http://schemas.openxmlformats.org/presentationml/2006/main">
+  <p:cSld>
+    <p:spTree>
+      <p:nvGrpSpPr>
+        <p:cNvPr id="1" name=""/>
+        <p:cNvGrpSpPr/>
+        <p:nvPr/>
+      </p:nvGrpSpPr>
+      <p:grpSpPr>
+        <a:xfrm>
+          <a:off x="0" y="0"/>
+          <a:ext cx="0" cy="0"/>
+          <a:chOff x="0" y="0"/>
+          <a:chExt cx="0" cy="0"/>
+        </a:xfrm>
+      </p:grpSpPr>
+      <p:cxnSp>
+        <p:nvCxnSpPr>
+          <p:cNvPr id="25" name="直線コネクタ 24">
+            <a:extLst>
+              <a:ext uri="{FF2B5EF4-FFF2-40B4-BE49-F238E27FC236}">
+                <a16:creationId xmlns:a16="http://schemas.microsoft.com/office/drawing/2014/main" id="{6C496682-B82E-44AC-BB68-62AFC62F1E95}"/>
+              </a:ext>
+            </a:extLst>
+          </p:cNvPr>
+          <p:cNvCxnSpPr/>
+          <p:nvPr/>
+        </p:nvCxnSpPr>
+        <p:spPr>
+          <a:xfrm>
+            <a:off x="251520" y="548680"/>
+            <a:ext cx="0" cy="2160240"/>
+          </a:xfrm>
+          <a:prstGeom prst="line">
+            <a:avLst/>
+          </a:prstGeom>
+          <a:ln w="9525">
+            <a:solidFill>
+              <a:schemeClr val="tx1"/>
+            </a:solidFill>
+            <a:headEnd type="none"/>
+            <a:tailEnd type="none"/>
+          </a:ln>
+          <a:effectLst/>
+        </p:spPr>
+        <p:style>
+          <a:lnRef idx="2">
+            <a:schemeClr val="accent1"/>
+          </a:lnRef>
+          <a:fillRef idx="0">
+            <a:schemeClr val="accent1"/>
+          </a:fillRef>
+          <a:effectRef idx="1">
+            <a:schemeClr val="accent1"/>
+          </a:effectRef>
+          <a:fontRef idx="minor">
+            <a:schemeClr val="tx1"/>
+          </a:fontRef>
+        </p:style>
+      </p:cxnSp>
+      <p:cxnSp>
+        <p:nvCxnSpPr>
+          <p:cNvPr id="26" name="直線コネクタ 25">
+            <a:extLst>
+              <a:ext uri="{FF2B5EF4-FFF2-40B4-BE49-F238E27FC236}">
+                <a16:creationId xmlns:a16="http://schemas.microsoft.com/office/drawing/2014/main" id="{94FA77F8-3A6D-4568-B266-F63191C0E05B}"/>
+              </a:ext>
+            </a:extLst>
+          </p:cNvPr>
+          <p:cNvCxnSpPr/>
+          <p:nvPr/>
+        </p:nvCxnSpPr>
+        <p:spPr>
+          <a:xfrm>
+            <a:off x="3131840" y="548680"/>
+            <a:ext cx="0" cy="2160240"/>
+          </a:xfrm>
+          <a:prstGeom prst="line">
+            <a:avLst/>
+          </a:prstGeom>
+          <a:ln w="9525">
+            <a:solidFill>
+              <a:schemeClr val="tx1"/>
+            </a:solidFill>
+            <a:headEnd type="none"/>
+            <a:tailEnd type="none"/>
+          </a:ln>
+          <a:effectLst/>
+        </p:spPr>
+        <p:style>
+          <a:lnRef idx="2">
+            <a:schemeClr val="accent1"/>
+          </a:lnRef>
+          <a:fillRef idx="0">
+            <a:schemeClr val="accent1"/>
+          </a:fillRef>
+          <a:effectRef idx="1">
+            <a:schemeClr val="accent1"/>
+          </a:effectRef>
+          <a:fontRef idx="minor">
+            <a:schemeClr val="tx1"/>
+          </a:fontRef>
+        </p:style>
+      </p:cxnSp>
+      <p:cxnSp>
+        <p:nvCxnSpPr>
+          <p:cNvPr id="27" name="直線コネクタ 26">
+            <a:extLst>
+              <a:ext uri="{FF2B5EF4-FFF2-40B4-BE49-F238E27FC236}">
+                <a16:creationId xmlns:a16="http://schemas.microsoft.com/office/drawing/2014/main" id="{03E6B16F-F414-442C-BCE4-248D23FF5B94}"/>
+              </a:ext>
+            </a:extLst>
+          </p:cNvPr>
+          <p:cNvCxnSpPr/>
+          <p:nvPr/>
+        </p:nvCxnSpPr>
+        <p:spPr>
+          <a:xfrm>
+            <a:off x="5292080" y="548680"/>
+            <a:ext cx="0" cy="2160240"/>
+          </a:xfrm>
+          <a:prstGeom prst="line">
+            <a:avLst/>
+          </a:prstGeom>
+          <a:ln w="9525">
+            <a:solidFill>
+              <a:schemeClr val="tx1"/>
+            </a:solidFill>
+            <a:headEnd type="none"/>
+            <a:tailEnd type="none"/>
+          </a:ln>
+          <a:effectLst/>
+        </p:spPr>
+        <p:style>
+          <a:lnRef idx="2">
+            <a:schemeClr val="accent1"/>
+          </a:lnRef>
+          <a:fillRef idx="0">
+            <a:schemeClr val="accent1"/>
+          </a:fillRef>
+          <a:effectRef idx="1">
+            <a:schemeClr val="accent1"/>
+          </a:effectRef>
+          <a:fontRef idx="minor">
+            <a:schemeClr val="tx1"/>
+          </a:fontRef>
+        </p:style>
+      </p:cxnSp>
+      <p:cxnSp>
+        <p:nvCxnSpPr>
+          <p:cNvPr id="28" name="直線コネクタ 27">
+            <a:extLst>
+              <a:ext uri="{FF2B5EF4-FFF2-40B4-BE49-F238E27FC236}">
+                <a16:creationId xmlns:a16="http://schemas.microsoft.com/office/drawing/2014/main" id="{4873DCCD-7D3C-48FE-8984-6BC64AF5CB21}"/>
+              </a:ext>
+            </a:extLst>
+          </p:cNvPr>
+          <p:cNvCxnSpPr/>
+          <p:nvPr/>
+        </p:nvCxnSpPr>
+        <p:spPr>
+          <a:xfrm>
+            <a:off x="8172400" y="548680"/>
+            <a:ext cx="0" cy="2160240"/>
+          </a:xfrm>
+          <a:prstGeom prst="line">
+            <a:avLst/>
+          </a:prstGeom>
+          <a:ln w="9525">
+            <a:solidFill>
+              <a:schemeClr val="tx1"/>
+            </a:solidFill>
+            <a:headEnd type="none"/>
+            <a:tailEnd type="none"/>
+          </a:ln>
+          <a:effectLst/>
+        </p:spPr>
+        <p:style>
+          <a:lnRef idx="2">
+            <a:schemeClr val="accent1"/>
+          </a:lnRef>
+          <a:fillRef idx="0">
+            <a:schemeClr val="accent1"/>
+          </a:fillRef>
+          <a:effectRef idx="1">
+            <a:schemeClr val="accent1"/>
+          </a:effectRef>
+          <a:fontRef idx="minor">
+            <a:schemeClr val="tx1"/>
+          </a:fontRef>
+        </p:style>
+      </p:cxnSp>
+      <p:sp>
+        <p:nvSpPr>
+          <p:cNvPr id="29" name="テキスト ボックス 28">
+            <a:extLst>
+              <a:ext uri="{FF2B5EF4-FFF2-40B4-BE49-F238E27FC236}">
+                <a16:creationId xmlns:a16="http://schemas.microsoft.com/office/drawing/2014/main" id="{3697EB7D-7CDD-464B-BE4F-F583ECD2B743}"/>
+              </a:ext>
+            </a:extLst>
+          </p:cNvPr>
+          <p:cNvSpPr txBox="1"/>
+          <p:nvPr/>
+        </p:nvSpPr>
+        <p:spPr>
+          <a:xfrm>
+            <a:off x="6372200" y="548680"/>
+            <a:ext cx="800219" cy="461665"/>
+          </a:xfrm>
+          <a:prstGeom prst="rect">
+            <a:avLst/>
+          </a:prstGeom>
+          <a:noFill/>
+        </p:spPr>
+        <p:txBody>
+          <a:bodyPr wrap="none" rtlCol="0">
+            <a:spAutoFit/>
+          </a:bodyPr>
+          <a:lstStyle/>
+          <a:p>
+            <a:r>
+              <a:rPr lang="ja-JP" altLang="en-US" sz="2400"/>
+              <a:t>歴史</a:t>
+            </a:r>
+            <a:endParaRPr kumimoji="1" lang="ja-JP" altLang="en-US" sz="2400" dirty="0"/>
+          </a:p>
+        </p:txBody>
+      </p:sp>
+      <p:sp>
+        <p:nvSpPr>
+          <p:cNvPr id="30" name="テキスト ボックス 29">
+            <a:extLst>
+              <a:ext uri="{FF2B5EF4-FFF2-40B4-BE49-F238E27FC236}">
+                <a16:creationId xmlns:a16="http://schemas.microsoft.com/office/drawing/2014/main" id="{A4C4FD25-53DB-42C0-8DC5-10C0C7507ADE}"/>
+              </a:ext>
+            </a:extLst>
+          </p:cNvPr>
+          <p:cNvSpPr txBox="1"/>
+          <p:nvPr/>
+        </p:nvSpPr>
+        <p:spPr>
+          <a:xfrm>
+            <a:off x="3347864" y="591071"/>
+            <a:ext cx="1776448" cy="461665"/>
+          </a:xfrm>
+          <a:prstGeom prst="rect">
+            <a:avLst/>
+          </a:prstGeom>
+          <a:noFill/>
+        </p:spPr>
+        <p:txBody>
+          <a:bodyPr wrap="none" rtlCol="0">
+            <a:spAutoFit/>
+          </a:bodyPr>
+          <a:lstStyle/>
+          <a:p>
+            <a:r>
+              <a:rPr kumimoji="1" lang="ja-JP" altLang="en-US" sz="2400"/>
+              <a:t>インデックス</a:t>
+            </a:r>
+            <a:endParaRPr kumimoji="1" lang="ja-JP" altLang="en-US" sz="2400" dirty="0"/>
+          </a:p>
+        </p:txBody>
+      </p:sp>
+      <p:sp>
+        <p:nvSpPr>
+          <p:cNvPr id="31" name="テキスト ボックス 30">
+            <a:extLst>
+              <a:ext uri="{FF2B5EF4-FFF2-40B4-BE49-F238E27FC236}">
+                <a16:creationId xmlns:a16="http://schemas.microsoft.com/office/drawing/2014/main" id="{BFBFF5CA-168F-4BBB-A16F-3876E02B5A97}"/>
+              </a:ext>
+            </a:extLst>
+          </p:cNvPr>
+          <p:cNvSpPr txBox="1"/>
+          <p:nvPr/>
+        </p:nvSpPr>
+        <p:spPr>
+          <a:xfrm>
+            <a:off x="1043608" y="620688"/>
+            <a:ext cx="2088232" cy="400110"/>
+          </a:xfrm>
+          <a:prstGeom prst="rect">
+            <a:avLst/>
+          </a:prstGeom>
+          <a:noFill/>
+        </p:spPr>
+        <p:txBody>
+          <a:bodyPr wrap="square" rtlCol="0">
+            <a:spAutoFit/>
+          </a:bodyPr>
+          <a:lstStyle/>
+          <a:p>
+            <a:r>
+              <a:rPr kumimoji="1" lang="ja-JP" altLang="en-US" sz="2000"/>
+              <a:t>ワーキング</a:t>
+            </a:r>
+            <a:r>
+              <a:rPr lang="ja-JP" altLang="en-US" sz="2000"/>
+              <a:t>ツリー</a:t>
+            </a:r>
+            <a:endParaRPr kumimoji="1" lang="ja-JP" altLang="en-US" sz="2000" dirty="0"/>
+          </a:p>
+        </p:txBody>
+      </p:sp>
+      <p:pic>
+        <p:nvPicPr>
+          <p:cNvPr id="32" name="Picture 2" descr="ファイルアイコン（ブランク）">
+            <a:extLst>
+              <a:ext uri="{FF2B5EF4-FFF2-40B4-BE49-F238E27FC236}">
+                <a16:creationId xmlns:a16="http://schemas.microsoft.com/office/drawing/2014/main" id="{2CBF5490-3629-46E6-BDEF-B40DB07E9F2C}"/>
+              </a:ext>
+            </a:extLst>
+          </p:cNvPr>
+          <p:cNvPicPr>
+            <a:picLocks noChangeAspect="1" noChangeArrowheads="1"/>
+          </p:cNvPicPr>
+          <p:nvPr/>
+        </p:nvPicPr>
+        <p:blipFill>
+          <a:blip r:embed="rId2">
+            <a:extLst>
+              <a:ext uri="{28A0092B-C50C-407E-A947-70E740481C1C}">
+                <a14:useLocalDpi xmlns:a14="http://schemas.microsoft.com/office/drawing/2010/main" val="0"/>
+              </a:ext>
+            </a:extLst>
+          </a:blip>
+          <a:srcRect/>
+          <a:stretch>
+            <a:fillRect/>
+          </a:stretch>
+        </p:blipFill>
+        <p:spPr bwMode="auto">
+          <a:xfrm>
+            <a:off x="539552" y="1268760"/>
+            <a:ext cx="434049" cy="504056"/>
+          </a:xfrm>
+          <a:prstGeom prst="rect">
+            <a:avLst/>
+          </a:prstGeom>
+          <a:noFill/>
+          <a:extLst>
+            <a:ext uri="{909E8E84-426E-40DD-AFC4-6F175D3DCCD1}">
+              <a14:hiddenFill xmlns:a14="http://schemas.microsoft.com/office/drawing/2010/main">
+                <a:solidFill>
+                  <a:srgbClr val="FFFFFF"/>
+                </a:solidFill>
+              </a14:hiddenFill>
+            </a:ext>
+          </a:extLst>
+        </p:spPr>
+      </p:pic>
+      <p:sp>
+        <p:nvSpPr>
+          <p:cNvPr id="33" name="テキスト ボックス 32">
+            <a:extLst>
+              <a:ext uri="{FF2B5EF4-FFF2-40B4-BE49-F238E27FC236}">
+                <a16:creationId xmlns:a16="http://schemas.microsoft.com/office/drawing/2014/main" id="{34FFF875-A518-4075-934F-85764C25308B}"/>
+              </a:ext>
+            </a:extLst>
+          </p:cNvPr>
+          <p:cNvSpPr txBox="1"/>
+          <p:nvPr/>
+        </p:nvSpPr>
+        <p:spPr>
+          <a:xfrm>
+            <a:off x="3419872" y="1196752"/>
+            <a:ext cx="1296144" cy="584775"/>
+          </a:xfrm>
+          <a:prstGeom prst="rect">
+            <a:avLst/>
+          </a:prstGeom>
+          <a:noFill/>
+        </p:spPr>
+        <p:txBody>
+          <a:bodyPr wrap="square">
+            <a:spAutoFit/>
+          </a:bodyPr>
+          <a:lstStyle/>
+          <a:p>
+            <a:r>
+              <a:rPr lang="ja-JP" altLang="en-US" sz="1600">
+                <a:latin typeface="Consolas" panose="020B0609020204030204" pitchFamily="49" charset="0"/>
+              </a:rPr>
+              <a:t>363d8b7</a:t>
+            </a:r>
+            <a:endParaRPr lang="en-US" altLang="ja-JP" sz="1600">
+              <a:latin typeface="Consolas" panose="020B0609020204030204" pitchFamily="49" charset="0"/>
+            </a:endParaRPr>
+          </a:p>
+          <a:p>
+            <a:r>
+              <a:rPr lang="en-US" altLang="ja-JP" sz="1600">
+                <a:latin typeface="Consolas" panose="020B0609020204030204" pitchFamily="49" charset="0"/>
+              </a:rPr>
+              <a:t>(test.txt)</a:t>
+            </a:r>
+          </a:p>
+        </p:txBody>
+      </p:sp>
+      <p:sp>
+        <p:nvSpPr>
+          <p:cNvPr id="34" name="テキスト ボックス 33">
+            <a:extLst>
+              <a:ext uri="{FF2B5EF4-FFF2-40B4-BE49-F238E27FC236}">
+                <a16:creationId xmlns:a16="http://schemas.microsoft.com/office/drawing/2014/main" id="{BEB0446C-F03A-4ADD-9AE7-9976C0CBBC7C}"/>
+              </a:ext>
+            </a:extLst>
+          </p:cNvPr>
+          <p:cNvSpPr txBox="1"/>
+          <p:nvPr/>
+        </p:nvSpPr>
+        <p:spPr>
+          <a:xfrm>
+            <a:off x="971600" y="1340768"/>
+            <a:ext cx="1277888" cy="369332"/>
+          </a:xfrm>
+          <a:prstGeom prst="rect">
+            <a:avLst/>
+          </a:prstGeom>
+          <a:noFill/>
+        </p:spPr>
+        <p:txBody>
+          <a:bodyPr wrap="square">
+            <a:spAutoFit/>
+          </a:bodyPr>
+          <a:lstStyle/>
+          <a:p>
+            <a:r>
+              <a:rPr lang="en-US" altLang="ja-JP" sz="1800">
+                <a:latin typeface="Consolas" panose="020B0609020204030204" pitchFamily="49" charset="0"/>
+              </a:rPr>
+              <a:t>test.txt</a:t>
+            </a:r>
+            <a:endParaRPr lang="ja-JP" altLang="en-US"/>
+          </a:p>
+        </p:txBody>
+      </p:sp>
+      <p:sp>
+        <p:nvSpPr>
+          <p:cNvPr id="35" name="テキスト ボックス 34">
+            <a:extLst>
+              <a:ext uri="{FF2B5EF4-FFF2-40B4-BE49-F238E27FC236}">
+                <a16:creationId xmlns:a16="http://schemas.microsoft.com/office/drawing/2014/main" id="{66EA3F46-1232-46E2-8513-4DB46F157AF7}"/>
+              </a:ext>
+            </a:extLst>
+          </p:cNvPr>
+          <p:cNvSpPr txBox="1"/>
+          <p:nvPr/>
+        </p:nvSpPr>
+        <p:spPr>
+          <a:xfrm>
+            <a:off x="971600" y="2060848"/>
+            <a:ext cx="1584176" cy="369332"/>
+          </a:xfrm>
+          <a:prstGeom prst="rect">
+            <a:avLst/>
+          </a:prstGeom>
+          <a:noFill/>
+        </p:spPr>
+        <p:txBody>
+          <a:bodyPr wrap="square">
+            <a:spAutoFit/>
+          </a:bodyPr>
+          <a:lstStyle/>
+          <a:p>
+            <a:r>
+              <a:rPr lang="en-US" altLang="ja-JP">
+                <a:latin typeface="Consolas" panose="020B0609020204030204" pitchFamily="49" charset="0"/>
+              </a:rPr>
+              <a:t>file_b</a:t>
+            </a:r>
+            <a:r>
+              <a:rPr lang="en-US" altLang="ja-JP" sz="1800">
+                <a:latin typeface="Consolas" panose="020B0609020204030204" pitchFamily="49" charset="0"/>
+              </a:rPr>
+              <a:t>.txt</a:t>
+            </a:r>
+            <a:endParaRPr lang="ja-JP" altLang="en-US"/>
+          </a:p>
+        </p:txBody>
+      </p:sp>
+      <p:sp>
+        <p:nvSpPr>
+          <p:cNvPr id="36" name="四角形: 1 つの角を切り取り 1 つの角を丸める 35">
+            <a:extLst>
+              <a:ext uri="{FF2B5EF4-FFF2-40B4-BE49-F238E27FC236}">
+                <a16:creationId xmlns:a16="http://schemas.microsoft.com/office/drawing/2014/main" id="{56518EB1-F48B-4FA5-BA8F-8568EFCD75BE}"/>
+              </a:ext>
+            </a:extLst>
+          </p:cNvPr>
+          <p:cNvSpPr/>
+          <p:nvPr/>
+        </p:nvSpPr>
+        <p:spPr>
+          <a:xfrm>
+            <a:off x="3419872" y="1988840"/>
+            <a:ext cx="1512168" cy="720080"/>
+          </a:xfrm>
+          <a:prstGeom prst="snipRoundRect">
+            <a:avLst/>
+          </a:prstGeom>
+          <a:ln w="19050">
+            <a:solidFill>
+              <a:schemeClr val="tx2">
+                <a:lumMod val="60000"/>
+                <a:lumOff val="40000"/>
+              </a:schemeClr>
+            </a:solidFill>
+          </a:ln>
+        </p:spPr>
+        <p:txBody>
+          <a:bodyPr wrap="square" rtlCol="0" anchor="ctr">
+            <a:spAutoFit/>
+          </a:bodyPr>
+          <a:lstStyle/>
+          <a:p>
+            <a:pPr algn="ctr"/>
+            <a:endParaRPr kumimoji="1" lang="ja-JP" altLang="en-US" sz="2400" dirty="0"/>
+          </a:p>
+        </p:txBody>
+      </p:sp>
+      <p:sp>
+        <p:nvSpPr>
+          <p:cNvPr id="37" name="テキスト ボックス 36">
+            <a:extLst>
+              <a:ext uri="{FF2B5EF4-FFF2-40B4-BE49-F238E27FC236}">
+                <a16:creationId xmlns:a16="http://schemas.microsoft.com/office/drawing/2014/main" id="{A52AD617-88EE-4821-A83D-E0430562A453}"/>
+              </a:ext>
+            </a:extLst>
+          </p:cNvPr>
+          <p:cNvSpPr txBox="1"/>
+          <p:nvPr/>
+        </p:nvSpPr>
+        <p:spPr>
+          <a:xfrm>
+            <a:off x="3419872" y="2060848"/>
+            <a:ext cx="1584176" cy="584775"/>
+          </a:xfrm>
+          <a:prstGeom prst="rect">
+            <a:avLst/>
+          </a:prstGeom>
+          <a:noFill/>
+        </p:spPr>
+        <p:txBody>
+          <a:bodyPr wrap="square">
+            <a:spAutoFit/>
+          </a:bodyPr>
+          <a:lstStyle/>
+          <a:p>
+            <a:r>
+              <a:rPr lang="en-US" altLang="ja-JP" sz="1600">
+                <a:latin typeface="Consolas" panose="020B0609020204030204" pitchFamily="49" charset="0"/>
+              </a:rPr>
+              <a:t>6a571f6</a:t>
+            </a:r>
+          </a:p>
+          <a:p>
+            <a:r>
+              <a:rPr lang="en-US" altLang="ja-JP" sz="1600">
+                <a:latin typeface="Consolas" panose="020B0609020204030204" pitchFamily="49" charset="0"/>
+              </a:rPr>
+              <a:t>(file_b.txt)</a:t>
+            </a:r>
+          </a:p>
+        </p:txBody>
+      </p:sp>
+      <p:sp>
+        <p:nvSpPr>
+          <p:cNvPr id="38" name="四角形: 1 つの角を切り取り 1 つの角を丸める 37">
+            <a:extLst>
+              <a:ext uri="{FF2B5EF4-FFF2-40B4-BE49-F238E27FC236}">
+                <a16:creationId xmlns:a16="http://schemas.microsoft.com/office/drawing/2014/main" id="{B8AECE03-EDF0-4DE3-8F86-0ED289FFE961}"/>
+              </a:ext>
+            </a:extLst>
+          </p:cNvPr>
+          <p:cNvSpPr/>
+          <p:nvPr/>
+        </p:nvSpPr>
+        <p:spPr>
+          <a:xfrm>
+            <a:off x="3419872" y="1124744"/>
+            <a:ext cx="1512168" cy="720080"/>
+          </a:xfrm>
+          <a:prstGeom prst="snipRoundRect">
+            <a:avLst/>
+          </a:prstGeom>
+          <a:ln>
+            <a:solidFill>
+              <a:schemeClr val="tx1"/>
+            </a:solidFill>
+          </a:ln>
+        </p:spPr>
+        <p:txBody>
+          <a:bodyPr wrap="square" rtlCol="0" anchor="ctr">
+            <a:spAutoFit/>
+          </a:bodyPr>
+          <a:lstStyle/>
+          <a:p>
+            <a:pPr algn="ctr"/>
+            <a:endParaRPr kumimoji="1" lang="ja-JP" altLang="en-US" sz="2400" dirty="0"/>
+          </a:p>
+        </p:txBody>
+      </p:sp>
+      <p:sp>
+        <p:nvSpPr>
+          <p:cNvPr id="39" name="楕円 38">
+            <a:extLst>
+              <a:ext uri="{FF2B5EF4-FFF2-40B4-BE49-F238E27FC236}">
+                <a16:creationId xmlns:a16="http://schemas.microsoft.com/office/drawing/2014/main" id="{AC668DB2-3BEA-4D52-94E9-F8606255287C}"/>
+              </a:ext>
+            </a:extLst>
+          </p:cNvPr>
+          <p:cNvSpPr/>
+          <p:nvPr/>
+        </p:nvSpPr>
+        <p:spPr>
+          <a:xfrm>
+            <a:off x="6534472" y="1124744"/>
+            <a:ext cx="360040" cy="360040"/>
+          </a:xfrm>
+          <a:prstGeom prst="ellipse">
+            <a:avLst/>
+          </a:prstGeom>
+          <a:solidFill>
+            <a:schemeClr val="accent1">
+              <a:lumMod val="75000"/>
+            </a:schemeClr>
+          </a:solidFill>
+          <a:ln>
+            <a:solidFill>
+              <a:schemeClr val="tx1"/>
+            </a:solidFill>
+          </a:ln>
+        </p:spPr>
+        <p:txBody>
+          <a:bodyPr wrap="square" rtlCol="0" anchor="ctr">
+            <a:spAutoFit/>
+          </a:bodyPr>
+          <a:lstStyle/>
+          <a:p>
+            <a:pPr algn="ctr"/>
+            <a:endParaRPr kumimoji="1" lang="ja-JP" altLang="en-US" sz="2400" dirty="0"/>
+          </a:p>
+        </p:txBody>
+      </p:sp>
+      <p:sp>
+        <p:nvSpPr>
+          <p:cNvPr id="40" name="テキスト ボックス 39">
+            <a:extLst>
+              <a:ext uri="{FF2B5EF4-FFF2-40B4-BE49-F238E27FC236}">
+                <a16:creationId xmlns:a16="http://schemas.microsoft.com/office/drawing/2014/main" id="{0DE0A303-668B-499F-A74F-7F6D8F3D4414}"/>
+              </a:ext>
+            </a:extLst>
+          </p:cNvPr>
+          <p:cNvSpPr txBox="1"/>
+          <p:nvPr/>
+        </p:nvSpPr>
+        <p:spPr>
+          <a:xfrm>
+            <a:off x="6894512" y="1124744"/>
+            <a:ext cx="701824" cy="369332"/>
+          </a:xfrm>
+          <a:prstGeom prst="rect">
+            <a:avLst/>
+          </a:prstGeom>
+          <a:noFill/>
+        </p:spPr>
+        <p:txBody>
+          <a:bodyPr wrap="square">
+            <a:spAutoFit/>
+          </a:bodyPr>
+          <a:lstStyle/>
+          <a:p>
+            <a:r>
+              <a:rPr lang="en-US" altLang="ja-JP" sz="1800">
+                <a:latin typeface="Consolas" panose="020B0609020204030204" pitchFamily="49" charset="0"/>
+              </a:rPr>
+              <a:t>main</a:t>
+            </a:r>
+            <a:endParaRPr lang="ja-JP" altLang="en-US"/>
+          </a:p>
+        </p:txBody>
+      </p:sp>
+      <p:sp>
+        <p:nvSpPr>
+          <p:cNvPr id="41" name="楕円 40">
+            <a:extLst>
+              <a:ext uri="{FF2B5EF4-FFF2-40B4-BE49-F238E27FC236}">
+                <a16:creationId xmlns:a16="http://schemas.microsoft.com/office/drawing/2014/main" id="{E846BBF3-CBE8-487D-94BB-7555623CA5A8}"/>
+              </a:ext>
+            </a:extLst>
+          </p:cNvPr>
+          <p:cNvSpPr/>
+          <p:nvPr/>
+        </p:nvSpPr>
+        <p:spPr>
+          <a:xfrm>
+            <a:off x="5868144" y="1988840"/>
+            <a:ext cx="360040" cy="360040"/>
+          </a:xfrm>
+          <a:prstGeom prst="ellipse">
+            <a:avLst/>
+          </a:prstGeom>
+          <a:solidFill>
+            <a:schemeClr val="accent1">
+              <a:lumMod val="75000"/>
+            </a:schemeClr>
+          </a:solidFill>
+          <a:ln>
+            <a:solidFill>
+              <a:schemeClr val="tx1"/>
+            </a:solidFill>
+          </a:ln>
+        </p:spPr>
+        <p:txBody>
+          <a:bodyPr wrap="square" rtlCol="0" anchor="ctr">
+            <a:spAutoFit/>
+          </a:bodyPr>
+          <a:lstStyle/>
+          <a:p>
+            <a:pPr algn="ctr"/>
+            <a:endParaRPr kumimoji="1" lang="ja-JP" altLang="en-US" sz="2400" dirty="0"/>
+          </a:p>
+        </p:txBody>
+      </p:sp>
+      <p:sp>
+        <p:nvSpPr>
+          <p:cNvPr id="42" name="テキスト ボックス 41">
+            <a:extLst>
+              <a:ext uri="{FF2B5EF4-FFF2-40B4-BE49-F238E27FC236}">
+                <a16:creationId xmlns:a16="http://schemas.microsoft.com/office/drawing/2014/main" id="{E77E60BE-BAA4-4BCD-8AAD-76DDAE54B8A8}"/>
+              </a:ext>
+            </a:extLst>
+          </p:cNvPr>
+          <p:cNvSpPr txBox="1"/>
+          <p:nvPr/>
+        </p:nvSpPr>
+        <p:spPr>
+          <a:xfrm>
+            <a:off x="5508104" y="2348880"/>
+            <a:ext cx="1224136" cy="369332"/>
+          </a:xfrm>
+          <a:prstGeom prst="rect">
+            <a:avLst/>
+          </a:prstGeom>
+          <a:noFill/>
+        </p:spPr>
+        <p:txBody>
+          <a:bodyPr wrap="square">
+            <a:spAutoFit/>
+          </a:bodyPr>
+          <a:lstStyle/>
+          <a:p>
+            <a:r>
+              <a:rPr lang="en-US" altLang="ja-JP" sz="1800">
+                <a:latin typeface="Consolas" panose="020B0609020204030204" pitchFamily="49" charset="0"/>
+              </a:rPr>
+              <a:t>branch_a</a:t>
+            </a:r>
+            <a:endParaRPr lang="ja-JP" altLang="en-US"/>
+          </a:p>
+        </p:txBody>
+      </p:sp>
+      <p:sp>
+        <p:nvSpPr>
+          <p:cNvPr id="43" name="楕円 42">
+            <a:extLst>
+              <a:ext uri="{FF2B5EF4-FFF2-40B4-BE49-F238E27FC236}">
+                <a16:creationId xmlns:a16="http://schemas.microsoft.com/office/drawing/2014/main" id="{1661DB5F-C8D7-4C2D-9423-290A34253CF5}"/>
+              </a:ext>
+            </a:extLst>
+          </p:cNvPr>
+          <p:cNvSpPr/>
+          <p:nvPr/>
+        </p:nvSpPr>
+        <p:spPr>
+          <a:xfrm>
+            <a:off x="7308304" y="1988840"/>
+            <a:ext cx="360040" cy="360040"/>
+          </a:xfrm>
+          <a:prstGeom prst="ellipse">
+            <a:avLst/>
+          </a:prstGeom>
+          <a:solidFill>
+            <a:srgbClr val="FF0000"/>
+          </a:solidFill>
+          <a:ln>
+            <a:solidFill>
+              <a:schemeClr val="tx1"/>
+            </a:solidFill>
+          </a:ln>
+        </p:spPr>
+        <p:txBody>
+          <a:bodyPr wrap="square" rtlCol="0" anchor="ctr">
+            <a:spAutoFit/>
+          </a:bodyPr>
+          <a:lstStyle/>
+          <a:p>
+            <a:pPr algn="ctr"/>
+            <a:endParaRPr kumimoji="1" lang="ja-JP" altLang="en-US" sz="2400" dirty="0"/>
+          </a:p>
+        </p:txBody>
+      </p:sp>
+      <p:sp>
+        <p:nvSpPr>
+          <p:cNvPr id="44" name="テキスト ボックス 43">
+            <a:extLst>
+              <a:ext uri="{FF2B5EF4-FFF2-40B4-BE49-F238E27FC236}">
+                <a16:creationId xmlns:a16="http://schemas.microsoft.com/office/drawing/2014/main" id="{77381324-A5E0-4F7B-85B4-D270A1C48837}"/>
+              </a:ext>
+            </a:extLst>
+          </p:cNvPr>
+          <p:cNvSpPr txBox="1"/>
+          <p:nvPr/>
+        </p:nvSpPr>
+        <p:spPr>
+          <a:xfrm>
+            <a:off x="6948264" y="2348880"/>
+            <a:ext cx="1224136" cy="369332"/>
+          </a:xfrm>
+          <a:prstGeom prst="rect">
+            <a:avLst/>
+          </a:prstGeom>
+          <a:noFill/>
+        </p:spPr>
+        <p:txBody>
+          <a:bodyPr wrap="square">
+            <a:spAutoFit/>
+          </a:bodyPr>
+          <a:lstStyle/>
+          <a:p>
+            <a:r>
+              <a:rPr lang="en-US" altLang="ja-JP" sz="1800">
+                <a:latin typeface="Consolas" panose="020B0609020204030204" pitchFamily="49" charset="0"/>
+              </a:rPr>
+              <a:t>branch_b</a:t>
+            </a:r>
+            <a:endParaRPr lang="ja-JP" altLang="en-US"/>
+          </a:p>
+        </p:txBody>
+      </p:sp>
+      <p:cxnSp>
+        <p:nvCxnSpPr>
+          <p:cNvPr id="45" name="直線コネクタ 44">
+            <a:extLst>
+              <a:ext uri="{FF2B5EF4-FFF2-40B4-BE49-F238E27FC236}">
+                <a16:creationId xmlns:a16="http://schemas.microsoft.com/office/drawing/2014/main" id="{1711C34F-5F87-4B58-AE60-87251E1C38F3}"/>
+              </a:ext>
+            </a:extLst>
+          </p:cNvPr>
+          <p:cNvCxnSpPr>
+            <a:stCxn id="39" idx="4"/>
+            <a:endCxn id="41" idx="0"/>
+          </p:cNvCxnSpPr>
+          <p:nvPr/>
+        </p:nvCxnSpPr>
+        <p:spPr>
+          <a:xfrm flipH="1">
+            <a:off x="6048164" y="1484784"/>
+            <a:ext cx="666328" cy="504056"/>
+          </a:xfrm>
+          <a:prstGeom prst="line">
+            <a:avLst/>
+          </a:prstGeom>
+          <a:ln w="9525">
+            <a:solidFill>
+              <a:schemeClr val="tx1"/>
+            </a:solidFill>
+            <a:headEnd type="none"/>
+            <a:tailEnd type="none"/>
+          </a:ln>
+          <a:effectLst/>
+        </p:spPr>
+        <p:style>
+          <a:lnRef idx="2">
+            <a:schemeClr val="accent1"/>
+          </a:lnRef>
+          <a:fillRef idx="0">
+            <a:schemeClr val="accent1"/>
+          </a:fillRef>
+          <a:effectRef idx="1">
+            <a:schemeClr val="accent1"/>
+          </a:effectRef>
+          <a:fontRef idx="minor">
+            <a:schemeClr val="tx1"/>
+          </a:fontRef>
+        </p:style>
+      </p:cxnSp>
+      <p:cxnSp>
+        <p:nvCxnSpPr>
+          <p:cNvPr id="46" name="直線コネクタ 45">
+            <a:extLst>
+              <a:ext uri="{FF2B5EF4-FFF2-40B4-BE49-F238E27FC236}">
+                <a16:creationId xmlns:a16="http://schemas.microsoft.com/office/drawing/2014/main" id="{69D0A4B5-9F03-40CB-9B5D-540B8F4F33B7}"/>
+              </a:ext>
+            </a:extLst>
+          </p:cNvPr>
+          <p:cNvCxnSpPr>
+            <a:cxnSpLocks/>
+            <a:stCxn id="39" idx="4"/>
+            <a:endCxn id="43" idx="0"/>
+          </p:cNvCxnSpPr>
+          <p:nvPr/>
+        </p:nvCxnSpPr>
+        <p:spPr>
+          <a:xfrm>
+            <a:off x="6714492" y="1484784"/>
+            <a:ext cx="773832" cy="504056"/>
+          </a:xfrm>
+          <a:prstGeom prst="line">
+            <a:avLst/>
+          </a:prstGeom>
+          <a:ln w="9525">
+            <a:solidFill>
+              <a:schemeClr val="tx1"/>
+            </a:solidFill>
+            <a:headEnd type="none"/>
+            <a:tailEnd type="none"/>
+          </a:ln>
+          <a:effectLst/>
+        </p:spPr>
+        <p:style>
+          <a:lnRef idx="2">
+            <a:schemeClr val="accent1"/>
+          </a:lnRef>
+          <a:fillRef idx="0">
+            <a:schemeClr val="accent1"/>
+          </a:fillRef>
+          <a:effectRef idx="1">
+            <a:schemeClr val="accent1"/>
+          </a:effectRef>
+          <a:fontRef idx="minor">
+            <a:schemeClr val="tx1"/>
+          </a:fontRef>
+        </p:style>
+      </p:cxnSp>
+      <p:pic>
+        <p:nvPicPr>
+          <p:cNvPr id="47" name="Picture 4" descr="ファイルアイコン（水色）">
+            <a:extLst>
+              <a:ext uri="{FF2B5EF4-FFF2-40B4-BE49-F238E27FC236}">
+                <a16:creationId xmlns:a16="http://schemas.microsoft.com/office/drawing/2014/main" id="{D566BA4D-3C7D-49FD-9115-899DF5EE957D}"/>
+              </a:ext>
+            </a:extLst>
+          </p:cNvPr>
+          <p:cNvPicPr>
+            <a:picLocks noChangeAspect="1" noChangeArrowheads="1"/>
+          </p:cNvPicPr>
+          <p:nvPr/>
+        </p:nvPicPr>
+        <p:blipFill>
+          <a:blip r:embed="rId3">
+            <a:extLst>
+              <a:ext uri="{28A0092B-C50C-407E-A947-70E740481C1C}">
+                <a14:useLocalDpi xmlns:a14="http://schemas.microsoft.com/office/drawing/2010/main" val="0"/>
+              </a:ext>
+            </a:extLst>
+          </a:blip>
+          <a:srcRect/>
+          <a:stretch>
+            <a:fillRect/>
+          </a:stretch>
+        </p:blipFill>
+        <p:spPr bwMode="auto">
+          <a:xfrm>
+            <a:off x="539552" y="1988840"/>
+            <a:ext cx="490160" cy="569218"/>
+          </a:xfrm>
+          <a:prstGeom prst="rect">
+            <a:avLst/>
+          </a:prstGeom>
+          <a:noFill/>
+          <a:extLst>
+            <a:ext uri="{909E8E84-426E-40DD-AFC4-6F175D3DCCD1}">
+              <a14:hiddenFill xmlns:a14="http://schemas.microsoft.com/office/drawing/2010/main">
+                <a:solidFill>
+                  <a:srgbClr val="FFFFFF"/>
+                </a:solidFill>
+              </a14:hiddenFill>
+            </a:ext>
+          </a:extLst>
+        </p:spPr>
+      </p:pic>
+      <p:cxnSp>
+        <p:nvCxnSpPr>
+          <p:cNvPr id="48" name="直線コネクタ 47">
+            <a:extLst>
+              <a:ext uri="{FF2B5EF4-FFF2-40B4-BE49-F238E27FC236}">
+                <a16:creationId xmlns:a16="http://schemas.microsoft.com/office/drawing/2014/main" id="{4DF3F951-626B-43A5-B75E-A67C60BC3E10}"/>
+              </a:ext>
+            </a:extLst>
+          </p:cNvPr>
+          <p:cNvCxnSpPr/>
+          <p:nvPr/>
+        </p:nvCxnSpPr>
+        <p:spPr>
+          <a:xfrm>
+            <a:off x="251520" y="4149080"/>
+            <a:ext cx="0" cy="2160240"/>
+          </a:xfrm>
+          <a:prstGeom prst="line">
+            <a:avLst/>
+          </a:prstGeom>
+          <a:ln w="9525">
+            <a:solidFill>
+              <a:schemeClr val="tx1"/>
+            </a:solidFill>
+            <a:headEnd type="none"/>
+            <a:tailEnd type="none"/>
+          </a:ln>
+          <a:effectLst/>
+        </p:spPr>
+        <p:style>
+          <a:lnRef idx="2">
+            <a:schemeClr val="accent1"/>
+          </a:lnRef>
+          <a:fillRef idx="0">
+            <a:schemeClr val="accent1"/>
+          </a:fillRef>
+          <a:effectRef idx="1">
+            <a:schemeClr val="accent1"/>
+          </a:effectRef>
+          <a:fontRef idx="minor">
+            <a:schemeClr val="tx1"/>
+          </a:fontRef>
+        </p:style>
+      </p:cxnSp>
+      <p:cxnSp>
+        <p:nvCxnSpPr>
+          <p:cNvPr id="49" name="直線コネクタ 48">
+            <a:extLst>
+              <a:ext uri="{FF2B5EF4-FFF2-40B4-BE49-F238E27FC236}">
+                <a16:creationId xmlns:a16="http://schemas.microsoft.com/office/drawing/2014/main" id="{E2D5A0C7-23D8-439F-8C5B-F50136D11C4A}"/>
+              </a:ext>
+            </a:extLst>
+          </p:cNvPr>
+          <p:cNvCxnSpPr/>
+          <p:nvPr/>
+        </p:nvCxnSpPr>
+        <p:spPr>
+          <a:xfrm>
+            <a:off x="3131840" y="4149080"/>
+            <a:ext cx="0" cy="2160240"/>
+          </a:xfrm>
+          <a:prstGeom prst="line">
+            <a:avLst/>
+          </a:prstGeom>
+          <a:ln w="9525">
+            <a:solidFill>
+              <a:schemeClr val="tx1"/>
+            </a:solidFill>
+            <a:headEnd type="none"/>
+            <a:tailEnd type="none"/>
+          </a:ln>
+          <a:effectLst/>
+        </p:spPr>
+        <p:style>
+          <a:lnRef idx="2">
+            <a:schemeClr val="accent1"/>
+          </a:lnRef>
+          <a:fillRef idx="0">
+            <a:schemeClr val="accent1"/>
+          </a:fillRef>
+          <a:effectRef idx="1">
+            <a:schemeClr val="accent1"/>
+          </a:effectRef>
+          <a:fontRef idx="minor">
+            <a:schemeClr val="tx1"/>
+          </a:fontRef>
+        </p:style>
+      </p:cxnSp>
+      <p:cxnSp>
+        <p:nvCxnSpPr>
+          <p:cNvPr id="50" name="直線コネクタ 49">
+            <a:extLst>
+              <a:ext uri="{FF2B5EF4-FFF2-40B4-BE49-F238E27FC236}">
+                <a16:creationId xmlns:a16="http://schemas.microsoft.com/office/drawing/2014/main" id="{279AD95E-606D-4A36-A834-79814D84A9C0}"/>
+              </a:ext>
+            </a:extLst>
+          </p:cNvPr>
+          <p:cNvCxnSpPr/>
+          <p:nvPr/>
+        </p:nvCxnSpPr>
+        <p:spPr>
+          <a:xfrm>
+            <a:off x="5292080" y="4149080"/>
+            <a:ext cx="0" cy="2160240"/>
+          </a:xfrm>
+          <a:prstGeom prst="line">
+            <a:avLst/>
+          </a:prstGeom>
+          <a:ln w="9525">
+            <a:solidFill>
+              <a:schemeClr val="tx1"/>
+            </a:solidFill>
+            <a:headEnd type="none"/>
+            <a:tailEnd type="none"/>
+          </a:ln>
+          <a:effectLst/>
+        </p:spPr>
+        <p:style>
+          <a:lnRef idx="2">
+            <a:schemeClr val="accent1"/>
+          </a:lnRef>
+          <a:fillRef idx="0">
+            <a:schemeClr val="accent1"/>
+          </a:fillRef>
+          <a:effectRef idx="1">
+            <a:schemeClr val="accent1"/>
+          </a:effectRef>
+          <a:fontRef idx="minor">
+            <a:schemeClr val="tx1"/>
+          </a:fontRef>
+        </p:style>
+      </p:cxnSp>
+      <p:cxnSp>
+        <p:nvCxnSpPr>
+          <p:cNvPr id="51" name="直線コネクタ 50">
+            <a:extLst>
+              <a:ext uri="{FF2B5EF4-FFF2-40B4-BE49-F238E27FC236}">
+                <a16:creationId xmlns:a16="http://schemas.microsoft.com/office/drawing/2014/main" id="{B6641F0C-FA21-498C-973E-DDC1CE0C4B9C}"/>
+              </a:ext>
+            </a:extLst>
+          </p:cNvPr>
+          <p:cNvCxnSpPr/>
+          <p:nvPr/>
+        </p:nvCxnSpPr>
+        <p:spPr>
+          <a:xfrm>
+            <a:off x="8172400" y="4149080"/>
+            <a:ext cx="0" cy="2160240"/>
+          </a:xfrm>
+          <a:prstGeom prst="line">
+            <a:avLst/>
+          </a:prstGeom>
+          <a:ln w="9525">
+            <a:solidFill>
+              <a:schemeClr val="tx1"/>
+            </a:solidFill>
+            <a:headEnd type="none"/>
+            <a:tailEnd type="none"/>
+          </a:ln>
+          <a:effectLst/>
+        </p:spPr>
+        <p:style>
+          <a:lnRef idx="2">
+            <a:schemeClr val="accent1"/>
+          </a:lnRef>
+          <a:fillRef idx="0">
+            <a:schemeClr val="accent1"/>
+          </a:fillRef>
+          <a:effectRef idx="1">
+            <a:schemeClr val="accent1"/>
+          </a:effectRef>
+          <a:fontRef idx="minor">
+            <a:schemeClr val="tx1"/>
+          </a:fontRef>
+        </p:style>
+      </p:cxnSp>
+      <p:sp>
+        <p:nvSpPr>
+          <p:cNvPr id="52" name="テキスト ボックス 51">
+            <a:extLst>
+              <a:ext uri="{FF2B5EF4-FFF2-40B4-BE49-F238E27FC236}">
+                <a16:creationId xmlns:a16="http://schemas.microsoft.com/office/drawing/2014/main" id="{614B0D4B-5795-4E3B-9B4D-6812ED576375}"/>
+              </a:ext>
+            </a:extLst>
+          </p:cNvPr>
+          <p:cNvSpPr txBox="1"/>
+          <p:nvPr/>
+        </p:nvSpPr>
+        <p:spPr>
+          <a:xfrm>
+            <a:off x="6372200" y="4149080"/>
+            <a:ext cx="800219" cy="461665"/>
+          </a:xfrm>
+          <a:prstGeom prst="rect">
+            <a:avLst/>
+          </a:prstGeom>
+          <a:noFill/>
+        </p:spPr>
+        <p:txBody>
+          <a:bodyPr wrap="none" rtlCol="0">
+            <a:spAutoFit/>
+          </a:bodyPr>
+          <a:lstStyle/>
+          <a:p>
+            <a:r>
+              <a:rPr lang="ja-JP" altLang="en-US" sz="2400"/>
+              <a:t>歴史</a:t>
+            </a:r>
+            <a:endParaRPr kumimoji="1" lang="ja-JP" altLang="en-US" sz="2400" dirty="0"/>
+          </a:p>
+        </p:txBody>
+      </p:sp>
+      <p:sp>
+        <p:nvSpPr>
+          <p:cNvPr id="53" name="テキスト ボックス 52">
+            <a:extLst>
+              <a:ext uri="{FF2B5EF4-FFF2-40B4-BE49-F238E27FC236}">
+                <a16:creationId xmlns:a16="http://schemas.microsoft.com/office/drawing/2014/main" id="{B285FF45-A9DF-4BE3-BBB4-C71927EF7C60}"/>
+              </a:ext>
+            </a:extLst>
+          </p:cNvPr>
+          <p:cNvSpPr txBox="1"/>
+          <p:nvPr/>
+        </p:nvSpPr>
+        <p:spPr>
+          <a:xfrm>
+            <a:off x="3347864" y="4191471"/>
+            <a:ext cx="1776448" cy="461665"/>
+          </a:xfrm>
+          <a:prstGeom prst="rect">
+            <a:avLst/>
+          </a:prstGeom>
+          <a:noFill/>
+        </p:spPr>
+        <p:txBody>
+          <a:bodyPr wrap="none" rtlCol="0">
+            <a:spAutoFit/>
+          </a:bodyPr>
+          <a:lstStyle/>
+          <a:p>
+            <a:r>
+              <a:rPr kumimoji="1" lang="ja-JP" altLang="en-US" sz="2400"/>
+              <a:t>インデックス</a:t>
+            </a:r>
+            <a:endParaRPr kumimoji="1" lang="ja-JP" altLang="en-US" sz="2400" dirty="0"/>
+          </a:p>
+        </p:txBody>
+      </p:sp>
+      <p:sp>
+        <p:nvSpPr>
+          <p:cNvPr id="54" name="テキスト ボックス 53">
+            <a:extLst>
+              <a:ext uri="{FF2B5EF4-FFF2-40B4-BE49-F238E27FC236}">
+                <a16:creationId xmlns:a16="http://schemas.microsoft.com/office/drawing/2014/main" id="{5BA4133E-BE57-4804-BFFA-C697931AC398}"/>
+              </a:ext>
+            </a:extLst>
+          </p:cNvPr>
+          <p:cNvSpPr txBox="1"/>
+          <p:nvPr/>
+        </p:nvSpPr>
+        <p:spPr>
+          <a:xfrm>
+            <a:off x="1043608" y="4221088"/>
+            <a:ext cx="2088232" cy="400110"/>
+          </a:xfrm>
+          <a:prstGeom prst="rect">
+            <a:avLst/>
+          </a:prstGeom>
+          <a:noFill/>
+        </p:spPr>
+        <p:txBody>
+          <a:bodyPr wrap="square" rtlCol="0">
+            <a:spAutoFit/>
+          </a:bodyPr>
+          <a:lstStyle/>
+          <a:p>
+            <a:r>
+              <a:rPr kumimoji="1" lang="ja-JP" altLang="en-US" sz="2000"/>
+              <a:t>ワーキング</a:t>
+            </a:r>
+            <a:r>
+              <a:rPr lang="ja-JP" altLang="en-US" sz="2000"/>
+              <a:t>ツリー</a:t>
+            </a:r>
+            <a:endParaRPr kumimoji="1" lang="ja-JP" altLang="en-US" sz="2000" dirty="0"/>
+          </a:p>
+        </p:txBody>
+      </p:sp>
+      <p:pic>
+        <p:nvPicPr>
+          <p:cNvPr id="55" name="Picture 2" descr="ファイルアイコン（ブランク）">
+            <a:extLst>
+              <a:ext uri="{FF2B5EF4-FFF2-40B4-BE49-F238E27FC236}">
+                <a16:creationId xmlns:a16="http://schemas.microsoft.com/office/drawing/2014/main" id="{1A7ABEAB-76EF-4CB8-87F6-47FB3A5FB5AD}"/>
+              </a:ext>
+            </a:extLst>
+          </p:cNvPr>
+          <p:cNvPicPr>
+            <a:picLocks noChangeAspect="1" noChangeArrowheads="1"/>
+          </p:cNvPicPr>
+          <p:nvPr/>
+        </p:nvPicPr>
+        <p:blipFill>
+          <a:blip r:embed="rId2">
+            <a:extLst>
+              <a:ext uri="{28A0092B-C50C-407E-A947-70E740481C1C}">
+                <a14:useLocalDpi xmlns:a14="http://schemas.microsoft.com/office/drawing/2010/main" val="0"/>
+              </a:ext>
+            </a:extLst>
+          </a:blip>
+          <a:srcRect/>
+          <a:stretch>
+            <a:fillRect/>
+          </a:stretch>
+        </p:blipFill>
+        <p:spPr bwMode="auto">
+          <a:xfrm>
+            <a:off x="539552" y="4869160"/>
+            <a:ext cx="434049" cy="504056"/>
+          </a:xfrm>
+          <a:prstGeom prst="rect">
+            <a:avLst/>
+          </a:prstGeom>
+          <a:noFill/>
+          <a:extLst>
+            <a:ext uri="{909E8E84-426E-40DD-AFC4-6F175D3DCCD1}">
+              <a14:hiddenFill xmlns:a14="http://schemas.microsoft.com/office/drawing/2010/main">
+                <a:solidFill>
+                  <a:srgbClr val="FFFFFF"/>
+                </a:solidFill>
+              </a14:hiddenFill>
+            </a:ext>
+          </a:extLst>
+        </p:spPr>
+      </p:pic>
+      <p:sp>
+        <p:nvSpPr>
+          <p:cNvPr id="56" name="テキスト ボックス 55">
+            <a:extLst>
+              <a:ext uri="{FF2B5EF4-FFF2-40B4-BE49-F238E27FC236}">
+                <a16:creationId xmlns:a16="http://schemas.microsoft.com/office/drawing/2014/main" id="{B1F1765C-FBFA-448F-82BD-CBA333DA4CB6}"/>
+              </a:ext>
+            </a:extLst>
+          </p:cNvPr>
+          <p:cNvSpPr txBox="1"/>
+          <p:nvPr/>
+        </p:nvSpPr>
+        <p:spPr>
+          <a:xfrm>
+            <a:off x="3419872" y="4797152"/>
+            <a:ext cx="1296144" cy="584775"/>
+          </a:xfrm>
+          <a:prstGeom prst="rect">
+            <a:avLst/>
+          </a:prstGeom>
+          <a:noFill/>
+        </p:spPr>
+        <p:txBody>
+          <a:bodyPr wrap="square">
+            <a:spAutoFit/>
+          </a:bodyPr>
+          <a:lstStyle/>
+          <a:p>
+            <a:r>
+              <a:rPr lang="ja-JP" altLang="en-US" sz="1600">
+                <a:latin typeface="Consolas" panose="020B0609020204030204" pitchFamily="49" charset="0"/>
+              </a:rPr>
+              <a:t>363d8b7</a:t>
+            </a:r>
+            <a:endParaRPr lang="en-US" altLang="ja-JP" sz="1600">
+              <a:latin typeface="Consolas" panose="020B0609020204030204" pitchFamily="49" charset="0"/>
+            </a:endParaRPr>
+          </a:p>
+          <a:p>
+            <a:r>
+              <a:rPr lang="en-US" altLang="ja-JP" sz="1600">
+                <a:latin typeface="Consolas" panose="020B0609020204030204" pitchFamily="49" charset="0"/>
+              </a:rPr>
+              <a:t>(test.txt)</a:t>
+            </a:r>
+          </a:p>
+        </p:txBody>
+      </p:sp>
+      <p:sp>
+        <p:nvSpPr>
+          <p:cNvPr id="57" name="テキスト ボックス 56">
+            <a:extLst>
+              <a:ext uri="{FF2B5EF4-FFF2-40B4-BE49-F238E27FC236}">
+                <a16:creationId xmlns:a16="http://schemas.microsoft.com/office/drawing/2014/main" id="{3A99947F-3A49-4943-869D-1995C39C7638}"/>
+              </a:ext>
+            </a:extLst>
+          </p:cNvPr>
+          <p:cNvSpPr txBox="1"/>
+          <p:nvPr/>
+        </p:nvSpPr>
+        <p:spPr>
+          <a:xfrm>
+            <a:off x="971600" y="4941168"/>
+            <a:ext cx="1277888" cy="369332"/>
+          </a:xfrm>
+          <a:prstGeom prst="rect">
+            <a:avLst/>
+          </a:prstGeom>
+          <a:noFill/>
+        </p:spPr>
+        <p:txBody>
+          <a:bodyPr wrap="square">
+            <a:spAutoFit/>
+          </a:bodyPr>
+          <a:lstStyle/>
+          <a:p>
+            <a:r>
+              <a:rPr lang="en-US" altLang="ja-JP" sz="1800">
+                <a:latin typeface="Consolas" panose="020B0609020204030204" pitchFamily="49" charset="0"/>
+              </a:rPr>
+              <a:t>test.txt</a:t>
+            </a:r>
+            <a:endParaRPr lang="ja-JP" altLang="en-US"/>
+          </a:p>
+        </p:txBody>
+      </p:sp>
+      <p:sp>
+        <p:nvSpPr>
+          <p:cNvPr id="58" name="テキスト ボックス 57">
+            <a:extLst>
+              <a:ext uri="{FF2B5EF4-FFF2-40B4-BE49-F238E27FC236}">
+                <a16:creationId xmlns:a16="http://schemas.microsoft.com/office/drawing/2014/main" id="{9E7A228D-2651-4922-811F-FD6ADA272CDE}"/>
+              </a:ext>
+            </a:extLst>
+          </p:cNvPr>
+          <p:cNvSpPr txBox="1"/>
+          <p:nvPr/>
+        </p:nvSpPr>
+        <p:spPr>
+          <a:xfrm>
+            <a:off x="1043608" y="5661248"/>
+            <a:ext cx="1584176" cy="369332"/>
+          </a:xfrm>
+          <a:prstGeom prst="rect">
+            <a:avLst/>
+          </a:prstGeom>
+          <a:noFill/>
+        </p:spPr>
+        <p:txBody>
+          <a:bodyPr wrap="square">
+            <a:spAutoFit/>
+          </a:bodyPr>
+          <a:lstStyle/>
+          <a:p>
+            <a:r>
+              <a:rPr lang="en-US" altLang="ja-JP">
+                <a:latin typeface="Consolas" panose="020B0609020204030204" pitchFamily="49" charset="0"/>
+              </a:rPr>
+              <a:t>file_a</a:t>
+            </a:r>
+            <a:r>
+              <a:rPr lang="en-US" altLang="ja-JP" sz="1800">
+                <a:latin typeface="Consolas" panose="020B0609020204030204" pitchFamily="49" charset="0"/>
+              </a:rPr>
+              <a:t>.txt</a:t>
+            </a:r>
+            <a:endParaRPr lang="ja-JP" altLang="en-US"/>
+          </a:p>
+        </p:txBody>
+      </p:sp>
+      <p:pic>
+        <p:nvPicPr>
+          <p:cNvPr id="59" name="Picture 2" descr="ファイルアイコン（赤）">
+            <a:extLst>
+              <a:ext uri="{FF2B5EF4-FFF2-40B4-BE49-F238E27FC236}">
+                <a16:creationId xmlns:a16="http://schemas.microsoft.com/office/drawing/2014/main" id="{A039EAFC-A65C-4DA8-9DD8-C53D18069B84}"/>
+              </a:ext>
+            </a:extLst>
+          </p:cNvPr>
+          <p:cNvPicPr>
+            <a:picLocks noChangeAspect="1" noChangeArrowheads="1"/>
+          </p:cNvPicPr>
+          <p:nvPr/>
+        </p:nvPicPr>
+        <p:blipFill>
+          <a:blip r:embed="rId4">
+            <a:extLst>
+              <a:ext uri="{28A0092B-C50C-407E-A947-70E740481C1C}">
+                <a14:useLocalDpi xmlns:a14="http://schemas.microsoft.com/office/drawing/2010/main" val="0"/>
+              </a:ext>
+            </a:extLst>
+          </a:blip>
+          <a:srcRect/>
+          <a:stretch>
+            <a:fillRect/>
+          </a:stretch>
+        </p:blipFill>
+        <p:spPr bwMode="auto">
+          <a:xfrm>
+            <a:off x="539552" y="5589240"/>
+            <a:ext cx="428153" cy="497210"/>
+          </a:xfrm>
+          <a:prstGeom prst="rect">
+            <a:avLst/>
+          </a:prstGeom>
+          <a:noFill/>
+          <a:extLst>
+            <a:ext uri="{909E8E84-426E-40DD-AFC4-6F175D3DCCD1}">
+              <a14:hiddenFill xmlns:a14="http://schemas.microsoft.com/office/drawing/2010/main">
+                <a:solidFill>
+                  <a:srgbClr val="FFFFFF"/>
+                </a:solidFill>
+              </a14:hiddenFill>
+            </a:ext>
+          </a:extLst>
+        </p:spPr>
+      </p:pic>
+      <p:sp>
+        <p:nvSpPr>
+          <p:cNvPr id="60" name="四角形: 1 つの角を切り取り 1 つの角を丸める 59">
+            <a:extLst>
+              <a:ext uri="{FF2B5EF4-FFF2-40B4-BE49-F238E27FC236}">
+                <a16:creationId xmlns:a16="http://schemas.microsoft.com/office/drawing/2014/main" id="{B9D3447E-9583-4595-A5CA-774CB6558105}"/>
+              </a:ext>
+            </a:extLst>
+          </p:cNvPr>
+          <p:cNvSpPr/>
+          <p:nvPr/>
+        </p:nvSpPr>
+        <p:spPr>
+          <a:xfrm>
+            <a:off x="3419872" y="5589240"/>
+            <a:ext cx="1512168" cy="720080"/>
+          </a:xfrm>
+          <a:prstGeom prst="snipRoundRect">
+            <a:avLst/>
+          </a:prstGeom>
+          <a:ln w="19050">
+            <a:solidFill>
+              <a:srgbClr val="FF0000"/>
+            </a:solidFill>
+          </a:ln>
+        </p:spPr>
+        <p:txBody>
+          <a:bodyPr wrap="square" rtlCol="0" anchor="ctr">
+            <a:spAutoFit/>
+          </a:bodyPr>
+          <a:lstStyle/>
+          <a:p>
+            <a:pPr algn="ctr"/>
+            <a:endParaRPr kumimoji="1" lang="ja-JP" altLang="en-US" sz="2400" dirty="0"/>
+          </a:p>
+        </p:txBody>
+      </p:sp>
+      <p:sp>
+        <p:nvSpPr>
+          <p:cNvPr id="61" name="テキスト ボックス 60">
+            <a:extLst>
+              <a:ext uri="{FF2B5EF4-FFF2-40B4-BE49-F238E27FC236}">
+                <a16:creationId xmlns:a16="http://schemas.microsoft.com/office/drawing/2014/main" id="{4535DA39-8A38-467C-BC8E-99119BFDC1A2}"/>
+              </a:ext>
+            </a:extLst>
+          </p:cNvPr>
+          <p:cNvSpPr txBox="1"/>
+          <p:nvPr/>
+        </p:nvSpPr>
+        <p:spPr>
+          <a:xfrm>
+            <a:off x="3419872" y="5661248"/>
+            <a:ext cx="1584176" cy="584775"/>
+          </a:xfrm>
+          <a:prstGeom prst="rect">
+            <a:avLst/>
+          </a:prstGeom>
+          <a:noFill/>
+        </p:spPr>
+        <p:txBody>
+          <a:bodyPr wrap="square">
+            <a:spAutoFit/>
+          </a:bodyPr>
+          <a:lstStyle/>
+          <a:p>
+            <a:r>
+              <a:rPr lang="en-US" altLang="ja-JP" sz="1600">
+                <a:latin typeface="Consolas" panose="020B0609020204030204" pitchFamily="49" charset="0"/>
+              </a:rPr>
+              <a:t>e32836f</a:t>
+            </a:r>
+          </a:p>
+          <a:p>
+            <a:r>
+              <a:rPr lang="en-US" altLang="ja-JP" sz="1600">
+                <a:latin typeface="Consolas" panose="020B0609020204030204" pitchFamily="49" charset="0"/>
+              </a:rPr>
+              <a:t>(file_a.txt)</a:t>
+            </a:r>
+          </a:p>
+        </p:txBody>
+      </p:sp>
+      <p:sp>
+        <p:nvSpPr>
+          <p:cNvPr id="62" name="四角形: 1 つの角を切り取り 1 つの角を丸める 61">
+            <a:extLst>
+              <a:ext uri="{FF2B5EF4-FFF2-40B4-BE49-F238E27FC236}">
+                <a16:creationId xmlns:a16="http://schemas.microsoft.com/office/drawing/2014/main" id="{CF56D9F3-BD2C-4DBC-9008-A87FA4236B2A}"/>
+              </a:ext>
+            </a:extLst>
+          </p:cNvPr>
+          <p:cNvSpPr/>
+          <p:nvPr/>
+        </p:nvSpPr>
+        <p:spPr>
+          <a:xfrm>
+            <a:off x="3419872" y="4725144"/>
+            <a:ext cx="1512168" cy="720080"/>
+          </a:xfrm>
+          <a:prstGeom prst="snipRoundRect">
+            <a:avLst/>
+          </a:prstGeom>
+          <a:ln>
+            <a:solidFill>
+              <a:schemeClr val="tx1"/>
+            </a:solidFill>
+          </a:ln>
+        </p:spPr>
+        <p:txBody>
+          <a:bodyPr wrap="square" rtlCol="0" anchor="ctr">
+            <a:spAutoFit/>
+          </a:bodyPr>
+          <a:lstStyle/>
+          <a:p>
+            <a:pPr algn="ctr"/>
+            <a:endParaRPr kumimoji="1" lang="ja-JP" altLang="en-US" sz="2400" dirty="0"/>
+          </a:p>
+        </p:txBody>
+      </p:sp>
+      <p:sp>
+        <p:nvSpPr>
+          <p:cNvPr id="63" name="楕円 62">
+            <a:extLst>
+              <a:ext uri="{FF2B5EF4-FFF2-40B4-BE49-F238E27FC236}">
+                <a16:creationId xmlns:a16="http://schemas.microsoft.com/office/drawing/2014/main" id="{68F8115A-9F44-48E3-A82C-23E424F7A13E}"/>
+              </a:ext>
+            </a:extLst>
+          </p:cNvPr>
+          <p:cNvSpPr/>
+          <p:nvPr/>
+        </p:nvSpPr>
+        <p:spPr>
+          <a:xfrm>
+            <a:off x="6534472" y="4725144"/>
+            <a:ext cx="360040" cy="360040"/>
+          </a:xfrm>
+          <a:prstGeom prst="ellipse">
+            <a:avLst/>
+          </a:prstGeom>
+          <a:solidFill>
+            <a:schemeClr val="accent1">
+              <a:lumMod val="75000"/>
+            </a:schemeClr>
+          </a:solidFill>
+          <a:ln>
+            <a:solidFill>
+              <a:schemeClr val="tx1"/>
+            </a:solidFill>
+          </a:ln>
+        </p:spPr>
+        <p:txBody>
+          <a:bodyPr wrap="square" rtlCol="0" anchor="ctr">
+            <a:spAutoFit/>
+          </a:bodyPr>
+          <a:lstStyle/>
+          <a:p>
+            <a:pPr algn="ctr"/>
+            <a:endParaRPr kumimoji="1" lang="ja-JP" altLang="en-US" sz="2400" dirty="0"/>
+          </a:p>
+        </p:txBody>
+      </p:sp>
+      <p:sp>
+        <p:nvSpPr>
+          <p:cNvPr id="64" name="テキスト ボックス 63">
+            <a:extLst>
+              <a:ext uri="{FF2B5EF4-FFF2-40B4-BE49-F238E27FC236}">
+                <a16:creationId xmlns:a16="http://schemas.microsoft.com/office/drawing/2014/main" id="{82C585DD-15E4-401F-8360-4910FCDC93D6}"/>
+              </a:ext>
+            </a:extLst>
+          </p:cNvPr>
+          <p:cNvSpPr txBox="1"/>
+          <p:nvPr/>
+        </p:nvSpPr>
+        <p:spPr>
+          <a:xfrm>
+            <a:off x="6894512" y="4725144"/>
+            <a:ext cx="701824" cy="369332"/>
+          </a:xfrm>
+          <a:prstGeom prst="rect">
+            <a:avLst/>
+          </a:prstGeom>
+          <a:noFill/>
+        </p:spPr>
+        <p:txBody>
+          <a:bodyPr wrap="square">
+            <a:spAutoFit/>
+          </a:bodyPr>
+          <a:lstStyle/>
+          <a:p>
+            <a:r>
+              <a:rPr lang="en-US" altLang="ja-JP" sz="1800">
+                <a:latin typeface="Consolas" panose="020B0609020204030204" pitchFamily="49" charset="0"/>
+              </a:rPr>
+              <a:t>main</a:t>
+            </a:r>
+            <a:endParaRPr lang="ja-JP" altLang="en-US"/>
+          </a:p>
+        </p:txBody>
+      </p:sp>
+      <p:sp>
+        <p:nvSpPr>
+          <p:cNvPr id="65" name="楕円 64">
+            <a:extLst>
+              <a:ext uri="{FF2B5EF4-FFF2-40B4-BE49-F238E27FC236}">
+                <a16:creationId xmlns:a16="http://schemas.microsoft.com/office/drawing/2014/main" id="{3C99EC36-3928-409F-B2A5-674BD0F3A942}"/>
+              </a:ext>
+            </a:extLst>
+          </p:cNvPr>
+          <p:cNvSpPr/>
+          <p:nvPr/>
+        </p:nvSpPr>
+        <p:spPr>
+          <a:xfrm>
+            <a:off x="5868144" y="5589240"/>
+            <a:ext cx="360040" cy="360040"/>
+          </a:xfrm>
+          <a:prstGeom prst="ellipse">
+            <a:avLst/>
+          </a:prstGeom>
+          <a:solidFill>
+            <a:srgbClr val="FF0000"/>
+          </a:solidFill>
+          <a:ln>
+            <a:solidFill>
+              <a:schemeClr val="tx1"/>
+            </a:solidFill>
+          </a:ln>
+        </p:spPr>
+        <p:txBody>
+          <a:bodyPr wrap="square" rtlCol="0" anchor="ctr">
+            <a:spAutoFit/>
+          </a:bodyPr>
+          <a:lstStyle/>
+          <a:p>
+            <a:pPr algn="ctr"/>
+            <a:endParaRPr kumimoji="1" lang="ja-JP" altLang="en-US" sz="2400" dirty="0"/>
+          </a:p>
+        </p:txBody>
+      </p:sp>
+      <p:sp>
+        <p:nvSpPr>
+          <p:cNvPr id="66" name="テキスト ボックス 65">
+            <a:extLst>
+              <a:ext uri="{FF2B5EF4-FFF2-40B4-BE49-F238E27FC236}">
+                <a16:creationId xmlns:a16="http://schemas.microsoft.com/office/drawing/2014/main" id="{9BC297FD-544A-467B-906B-4086814F2490}"/>
+              </a:ext>
+            </a:extLst>
+          </p:cNvPr>
+          <p:cNvSpPr txBox="1"/>
+          <p:nvPr/>
+        </p:nvSpPr>
+        <p:spPr>
+          <a:xfrm>
+            <a:off x="5508104" y="5949280"/>
+            <a:ext cx="1224136" cy="369332"/>
+          </a:xfrm>
+          <a:prstGeom prst="rect">
+            <a:avLst/>
+          </a:prstGeom>
+          <a:noFill/>
+        </p:spPr>
+        <p:txBody>
+          <a:bodyPr wrap="square">
+            <a:spAutoFit/>
+          </a:bodyPr>
+          <a:lstStyle/>
+          <a:p>
+            <a:r>
+              <a:rPr lang="en-US" altLang="ja-JP" sz="1800">
+                <a:latin typeface="Consolas" panose="020B0609020204030204" pitchFamily="49" charset="0"/>
+              </a:rPr>
+              <a:t>branch_a</a:t>
+            </a:r>
+            <a:endParaRPr lang="ja-JP" altLang="en-US"/>
+          </a:p>
+        </p:txBody>
+      </p:sp>
+      <p:sp>
+        <p:nvSpPr>
+          <p:cNvPr id="67" name="楕円 66">
+            <a:extLst>
+              <a:ext uri="{FF2B5EF4-FFF2-40B4-BE49-F238E27FC236}">
+                <a16:creationId xmlns:a16="http://schemas.microsoft.com/office/drawing/2014/main" id="{AD748F99-2574-4973-B13E-E2A48D5C5D79}"/>
+              </a:ext>
+            </a:extLst>
+          </p:cNvPr>
+          <p:cNvSpPr/>
+          <p:nvPr/>
+        </p:nvSpPr>
+        <p:spPr>
+          <a:xfrm>
+            <a:off x="7308304" y="5589240"/>
+            <a:ext cx="360040" cy="360040"/>
+          </a:xfrm>
+          <a:prstGeom prst="ellipse">
+            <a:avLst/>
+          </a:prstGeom>
+          <a:solidFill>
+            <a:schemeClr val="accent1">
+              <a:lumMod val="75000"/>
+            </a:schemeClr>
+          </a:solidFill>
+          <a:ln>
+            <a:solidFill>
+              <a:schemeClr val="tx1"/>
+            </a:solidFill>
+          </a:ln>
+        </p:spPr>
+        <p:txBody>
+          <a:bodyPr wrap="square" rtlCol="0" anchor="ctr">
+            <a:spAutoFit/>
+          </a:bodyPr>
+          <a:lstStyle/>
+          <a:p>
+            <a:pPr algn="ctr"/>
+            <a:endParaRPr kumimoji="1" lang="ja-JP" altLang="en-US" sz="2400" dirty="0"/>
+          </a:p>
+        </p:txBody>
+      </p:sp>
+      <p:sp>
+        <p:nvSpPr>
+          <p:cNvPr id="68" name="テキスト ボックス 67">
+            <a:extLst>
+              <a:ext uri="{FF2B5EF4-FFF2-40B4-BE49-F238E27FC236}">
+                <a16:creationId xmlns:a16="http://schemas.microsoft.com/office/drawing/2014/main" id="{E4174D9E-04AA-4D36-9A3B-93E23E5B4483}"/>
+              </a:ext>
+            </a:extLst>
+          </p:cNvPr>
+          <p:cNvSpPr txBox="1"/>
+          <p:nvPr/>
+        </p:nvSpPr>
+        <p:spPr>
+          <a:xfrm>
+            <a:off x="6948264" y="5949280"/>
+            <a:ext cx="1224136" cy="369332"/>
+          </a:xfrm>
+          <a:prstGeom prst="rect">
+            <a:avLst/>
+          </a:prstGeom>
+          <a:noFill/>
+        </p:spPr>
+        <p:txBody>
+          <a:bodyPr wrap="square">
+            <a:spAutoFit/>
+          </a:bodyPr>
+          <a:lstStyle/>
+          <a:p>
+            <a:r>
+              <a:rPr lang="en-US" altLang="ja-JP" sz="1800">
+                <a:latin typeface="Consolas" panose="020B0609020204030204" pitchFamily="49" charset="0"/>
+              </a:rPr>
+              <a:t>branch_b</a:t>
+            </a:r>
+            <a:endParaRPr lang="ja-JP" altLang="en-US"/>
+          </a:p>
+        </p:txBody>
+      </p:sp>
+      <p:cxnSp>
+        <p:nvCxnSpPr>
+          <p:cNvPr id="69" name="直線コネクタ 68">
+            <a:extLst>
+              <a:ext uri="{FF2B5EF4-FFF2-40B4-BE49-F238E27FC236}">
+                <a16:creationId xmlns:a16="http://schemas.microsoft.com/office/drawing/2014/main" id="{49824B04-3159-4EBE-9DC5-A36032C0CBED}"/>
+              </a:ext>
+            </a:extLst>
+          </p:cNvPr>
+          <p:cNvCxnSpPr>
+            <a:stCxn id="63" idx="4"/>
+            <a:endCxn id="65" idx="0"/>
+          </p:cNvCxnSpPr>
+          <p:nvPr/>
+        </p:nvCxnSpPr>
+        <p:spPr>
+          <a:xfrm flipH="1">
+            <a:off x="6048164" y="5085184"/>
+            <a:ext cx="666328" cy="504056"/>
+          </a:xfrm>
+          <a:prstGeom prst="line">
+            <a:avLst/>
+          </a:prstGeom>
+          <a:ln w="9525">
+            <a:solidFill>
+              <a:schemeClr val="tx1"/>
+            </a:solidFill>
+            <a:headEnd type="none"/>
+            <a:tailEnd type="none"/>
+          </a:ln>
+          <a:effectLst/>
+        </p:spPr>
+        <p:style>
+          <a:lnRef idx="2">
+            <a:schemeClr val="accent1"/>
+          </a:lnRef>
+          <a:fillRef idx="0">
+            <a:schemeClr val="accent1"/>
+          </a:fillRef>
+          <a:effectRef idx="1">
+            <a:schemeClr val="accent1"/>
+          </a:effectRef>
+          <a:fontRef idx="minor">
+            <a:schemeClr val="tx1"/>
+          </a:fontRef>
+        </p:style>
+      </p:cxnSp>
+      <p:cxnSp>
+        <p:nvCxnSpPr>
+          <p:cNvPr id="70" name="直線コネクタ 69">
+            <a:extLst>
+              <a:ext uri="{FF2B5EF4-FFF2-40B4-BE49-F238E27FC236}">
+                <a16:creationId xmlns:a16="http://schemas.microsoft.com/office/drawing/2014/main" id="{F558E429-E87E-4657-889A-98193A661C47}"/>
+              </a:ext>
+            </a:extLst>
+          </p:cNvPr>
+          <p:cNvCxnSpPr>
+            <a:cxnSpLocks/>
+            <a:stCxn id="63" idx="4"/>
+            <a:endCxn id="67" idx="0"/>
+          </p:cNvCxnSpPr>
+          <p:nvPr/>
+        </p:nvCxnSpPr>
+        <p:spPr>
+          <a:xfrm>
+            <a:off x="6714492" y="5085184"/>
+            <a:ext cx="773832" cy="504056"/>
+          </a:xfrm>
+          <a:prstGeom prst="line">
+            <a:avLst/>
+          </a:prstGeom>
+          <a:ln w="9525">
+            <a:solidFill>
+              <a:schemeClr val="tx1"/>
+            </a:solidFill>
+            <a:headEnd type="none"/>
+            <a:tailEnd type="none"/>
+          </a:ln>
+          <a:effectLst/>
+        </p:spPr>
+        <p:style>
+          <a:lnRef idx="2">
+            <a:schemeClr val="accent1"/>
+          </a:lnRef>
+          <a:fillRef idx="0">
+            <a:schemeClr val="accent1"/>
+          </a:fillRef>
+          <a:effectRef idx="1">
+            <a:schemeClr val="accent1"/>
+          </a:effectRef>
+          <a:fontRef idx="minor">
+            <a:schemeClr val="tx1"/>
+          </a:fontRef>
+        </p:style>
+      </p:cxnSp>
+      <p:sp>
+        <p:nvSpPr>
+          <p:cNvPr id="71" name="テキスト ボックス 70">
+            <a:extLst>
+              <a:ext uri="{FF2B5EF4-FFF2-40B4-BE49-F238E27FC236}">
+                <a16:creationId xmlns:a16="http://schemas.microsoft.com/office/drawing/2014/main" id="{97E472A7-76BB-45C7-806D-24484B538285}"/>
+              </a:ext>
+            </a:extLst>
+          </p:cNvPr>
+          <p:cNvSpPr txBox="1"/>
+          <p:nvPr/>
+        </p:nvSpPr>
+        <p:spPr>
+          <a:xfrm>
+            <a:off x="2915816" y="3068960"/>
+            <a:ext cx="4248472" cy="523220"/>
+          </a:xfrm>
+          <a:prstGeom prst="rect">
+            <a:avLst/>
+          </a:prstGeom>
+          <a:noFill/>
+        </p:spPr>
+        <p:txBody>
+          <a:bodyPr wrap="square">
+            <a:spAutoFit/>
+          </a:bodyPr>
+          <a:lstStyle/>
+          <a:p>
+            <a:r>
+              <a:rPr lang="en-US" altLang="ja-JP" sz="2800">
+                <a:latin typeface="Consolas" panose="020B0609020204030204" pitchFamily="49" charset="0"/>
+              </a:rPr>
+              <a:t>git switch branch_a</a:t>
+            </a:r>
+            <a:endParaRPr lang="ja-JP" altLang="en-US" sz="2800"/>
+          </a:p>
+        </p:txBody>
+      </p:sp>
+      <p:sp>
+        <p:nvSpPr>
+          <p:cNvPr id="72" name="矢印: 下 71">
+            <a:extLst>
+              <a:ext uri="{FF2B5EF4-FFF2-40B4-BE49-F238E27FC236}">
+                <a16:creationId xmlns:a16="http://schemas.microsoft.com/office/drawing/2014/main" id="{41A9A641-F2EE-4783-A26A-E51EEE108949}"/>
+              </a:ext>
+            </a:extLst>
+          </p:cNvPr>
+          <p:cNvSpPr/>
+          <p:nvPr/>
+        </p:nvSpPr>
+        <p:spPr>
+          <a:xfrm>
+            <a:off x="2051720" y="3068960"/>
+            <a:ext cx="720080" cy="618368"/>
+          </a:xfrm>
+          <a:prstGeom prst="downArrow">
+            <a:avLst/>
+          </a:prstGeom>
+          <a:solidFill>
+            <a:srgbClr val="FF0000"/>
+          </a:solidFill>
+          <a:ln>
+            <a:solidFill>
+              <a:schemeClr val="tx1"/>
+            </a:solidFill>
+          </a:ln>
+        </p:spPr>
+        <p:txBody>
+          <a:bodyPr wrap="square" rtlCol="0" anchor="ctr">
+            <a:spAutoFit/>
+          </a:bodyPr>
+          <a:lstStyle/>
+          <a:p>
+            <a:pPr algn="ctr"/>
+            <a:endParaRPr kumimoji="1" lang="ja-JP" altLang="en-US" sz="2400" dirty="0"/>
+          </a:p>
+        </p:txBody>
+      </p:sp>
+    </p:spTree>
+    <p:extLst>
+      <p:ext uri="{BB962C8B-B14F-4D97-AF65-F5344CB8AC3E}">
+        <p14:creationId xmlns:p14="http://schemas.microsoft.com/office/powerpoint/2010/main" val="2200423257"/>
       </p:ext>
     </p:extLst>
   </p:cSld>
